--- a/宣道詩/(宣道詩37)寶血能力.pptx
+++ b/宣道詩/(宣道詩37)寶血能力.pptx
@@ -5,14 +5,23 @@
     <p:sldMasterId id="2147483672" r:id="rId1"/>
   </p:sldMasterIdLst>
   <p:sldIdLst>
-    <p:sldId id="257" r:id="rId2"/>
-    <p:sldId id="258" r:id="rId3"/>
-    <p:sldId id="259" r:id="rId4"/>
-    <p:sldId id="265" r:id="rId5"/>
-    <p:sldId id="261" r:id="rId6"/>
-    <p:sldId id="266" r:id="rId7"/>
-    <p:sldId id="263" r:id="rId8"/>
-    <p:sldId id="267" r:id="rId9"/>
+    <p:sldId id="268" r:id="rId2"/>
+    <p:sldId id="269" r:id="rId3"/>
+    <p:sldId id="270" r:id="rId4"/>
+    <p:sldId id="271" r:id="rId5"/>
+    <p:sldId id="272" r:id="rId6"/>
+    <p:sldId id="273" r:id="rId7"/>
+    <p:sldId id="274" r:id="rId8"/>
+    <p:sldId id="275" r:id="rId9"/>
+    <p:sldId id="276" r:id="rId10"/>
+    <p:sldId id="277" r:id="rId11"/>
+    <p:sldId id="278" r:id="rId12"/>
+    <p:sldId id="279" r:id="rId13"/>
+    <p:sldId id="280" r:id="rId14"/>
+    <p:sldId id="281" r:id="rId15"/>
+    <p:sldId id="282" r:id="rId16"/>
+    <p:sldId id="283" r:id="rId17"/>
+    <p:sldId id="284" r:id="rId18"/>
   </p:sldIdLst>
   <p:sldSz cx="12192000" cy="6858000"/>
   <p:notesSz cx="6858000" cy="9144000"/>
@@ -311,7 +320,7 @@
           <a:p>
             <a:fld id="{DE868643-A09C-4D86-8BED-66622358FC26}" type="datetimeFigureOut">
               <a:rPr lang="en-US" smtClean="0"/>
-              <a:t>4/9/2020</a:t>
+              <a:t>12/3/2022</a:t>
             </a:fld>
             <a:endParaRPr lang="en-US"/>
           </a:p>
@@ -481,7 +490,7 @@
           <a:p>
             <a:fld id="{DE868643-A09C-4D86-8BED-66622358FC26}" type="datetimeFigureOut">
               <a:rPr lang="en-US" smtClean="0"/>
-              <a:t>4/9/2020</a:t>
+              <a:t>12/3/2022</a:t>
             </a:fld>
             <a:endParaRPr lang="en-US"/>
           </a:p>
@@ -661,7 +670,7 @@
           <a:p>
             <a:fld id="{DE868643-A09C-4D86-8BED-66622358FC26}" type="datetimeFigureOut">
               <a:rPr lang="en-US" smtClean="0"/>
-              <a:t>4/9/2020</a:t>
+              <a:t>12/3/2022</a:t>
             </a:fld>
             <a:endParaRPr lang="en-US"/>
           </a:p>
@@ -831,7 +840,7 @@
           <a:p>
             <a:fld id="{DE868643-A09C-4D86-8BED-66622358FC26}" type="datetimeFigureOut">
               <a:rPr lang="en-US" smtClean="0"/>
-              <a:t>4/9/2020</a:t>
+              <a:t>12/3/2022</a:t>
             </a:fld>
             <a:endParaRPr lang="en-US"/>
           </a:p>
@@ -1077,7 +1086,7 @@
           <a:p>
             <a:fld id="{DE868643-A09C-4D86-8BED-66622358FC26}" type="datetimeFigureOut">
               <a:rPr lang="en-US" smtClean="0"/>
-              <a:t>4/9/2020</a:t>
+              <a:t>12/3/2022</a:t>
             </a:fld>
             <a:endParaRPr lang="en-US"/>
           </a:p>
@@ -1365,7 +1374,7 @@
           <a:p>
             <a:fld id="{DE868643-A09C-4D86-8BED-66622358FC26}" type="datetimeFigureOut">
               <a:rPr lang="en-US" smtClean="0"/>
-              <a:t>4/9/2020</a:t>
+              <a:t>12/3/2022</a:t>
             </a:fld>
             <a:endParaRPr lang="en-US"/>
           </a:p>
@@ -1787,7 +1796,7 @@
           <a:p>
             <a:fld id="{DE868643-A09C-4D86-8BED-66622358FC26}" type="datetimeFigureOut">
               <a:rPr lang="en-US" smtClean="0"/>
-              <a:t>4/9/2020</a:t>
+              <a:t>12/3/2022</a:t>
             </a:fld>
             <a:endParaRPr lang="en-US"/>
           </a:p>
@@ -1905,7 +1914,7 @@
           <a:p>
             <a:fld id="{DE868643-A09C-4D86-8BED-66622358FC26}" type="datetimeFigureOut">
               <a:rPr lang="en-US" smtClean="0"/>
-              <a:t>4/9/2020</a:t>
+              <a:t>12/3/2022</a:t>
             </a:fld>
             <a:endParaRPr lang="en-US"/>
           </a:p>
@@ -2000,7 +2009,7 @@
           <a:p>
             <a:fld id="{DE868643-A09C-4D86-8BED-66622358FC26}" type="datetimeFigureOut">
               <a:rPr lang="en-US" smtClean="0"/>
-              <a:t>4/9/2020</a:t>
+              <a:t>12/3/2022</a:t>
             </a:fld>
             <a:endParaRPr lang="en-US"/>
           </a:p>
@@ -2277,7 +2286,7 @@
           <a:p>
             <a:fld id="{DE868643-A09C-4D86-8BED-66622358FC26}" type="datetimeFigureOut">
               <a:rPr lang="en-US" smtClean="0"/>
-              <a:t>4/9/2020</a:t>
+              <a:t>12/3/2022</a:t>
             </a:fld>
             <a:endParaRPr lang="en-US"/>
           </a:p>
@@ -2534,7 +2543,7 @@
           <a:p>
             <a:fld id="{DE868643-A09C-4D86-8BED-66622358FC26}" type="datetimeFigureOut">
               <a:rPr lang="en-US" smtClean="0"/>
-              <a:t>4/9/2020</a:t>
+              <a:t>12/3/2022</a:t>
             </a:fld>
             <a:endParaRPr lang="en-US"/>
           </a:p>
@@ -2752,7 +2761,7 @@
           <a:p>
             <a:fld id="{DE868643-A09C-4D86-8BED-66622358FC26}" type="datetimeFigureOut">
               <a:rPr lang="en-US" smtClean="0"/>
-              <a:t>4/9/2020</a:t>
+              <a:t>12/3/2022</a:t>
             </a:fld>
             <a:endParaRPr lang="en-US"/>
           </a:p>
@@ -3129,7 +3138,7 @@
       </p:grpSpPr>
       <p:sp>
         <p:nvSpPr>
-          <p:cNvPr id="4" name="Title 3"/>
+          <p:cNvPr id="4" name="標題 3"/>
           <p:cNvSpPr>
             <a:spLocks noGrp="1"/>
           </p:cNvSpPr>
@@ -3137,147 +3146,250 @@
             <p:ph type="title"/>
           </p:nvPr>
         </p:nvSpPr>
-        <p:spPr/>
+        <p:spPr>
+          <a:xfrm>
+            <a:off x="0" y="2660915"/>
+            <a:ext cx="12192000" cy="1143000"/>
+          </a:xfrm>
+        </p:spPr>
         <p:txBody>
           <a:bodyPr>
+            <a:noAutofit/>
+          </a:bodyPr>
+          <a:lstStyle/>
+          <a:p>
+            <a:r>
+              <a:rPr lang="zh-CN" altLang="en-US" sz="5333" b="1" u="sng" dirty="0">
+                <a:solidFill>
+                  <a:srgbClr val="000066"/>
+                </a:solidFill>
+                <a:effectLst>
+                  <a:outerShdw blurRad="38100" dist="38100" dir="2700000" algn="tl">
+                    <a:srgbClr val="000000">
+                      <a:alpha val="43137"/>
+                    </a:srgbClr>
+                  </a:outerShdw>
+                </a:effectLst>
+                <a:latin typeface="微軟正黑體" pitchFamily="34" charset="-120"/>
+                <a:ea typeface="微軟正黑體" pitchFamily="34" charset="-120"/>
+              </a:rPr>
+              <a:t>宣道詩 </a:t>
+            </a:r>
+            <a:r>
+              <a:rPr lang="en-US" altLang="zh-CN" sz="5333" b="1" u="sng" dirty="0">
+                <a:solidFill>
+                  <a:srgbClr val="000066"/>
+                </a:solidFill>
+                <a:effectLst>
+                  <a:outerShdw blurRad="38100" dist="38100" dir="2700000" algn="tl">
+                    <a:srgbClr val="000000">
+                      <a:alpha val="43137"/>
+                    </a:srgbClr>
+                  </a:outerShdw>
+                </a:effectLst>
+                <a:latin typeface="微軟正黑體" pitchFamily="34" charset="-120"/>
+                <a:ea typeface="微軟正黑體" pitchFamily="34" charset="-120"/>
+              </a:rPr>
+              <a:t>37</a:t>
+            </a:r>
+            <a:r>
+              <a:rPr lang="en-US" altLang="zh-CN" sz="7200" b="1" i="1" dirty="0">
+                <a:solidFill>
+                  <a:srgbClr val="660033"/>
+                </a:solidFill>
+                <a:effectLst>
+                  <a:outerShdw blurRad="38100" dist="38100" dir="2700000" algn="tl">
+                    <a:srgbClr val="000000">
+                      <a:alpha val="43137"/>
+                    </a:srgbClr>
+                  </a:outerShdw>
+                </a:effectLst>
+                <a:latin typeface="微軟正黑體" pitchFamily="34" charset="-120"/>
+                <a:ea typeface="微軟正黑體" pitchFamily="34" charset="-120"/>
+              </a:rPr>
+              <a:t/>
+            </a:r>
+            <a:br>
+              <a:rPr lang="en-US" altLang="zh-CN" sz="7200" b="1" i="1" dirty="0">
+                <a:solidFill>
+                  <a:srgbClr val="660033"/>
+                </a:solidFill>
+                <a:effectLst>
+                  <a:outerShdw blurRad="38100" dist="38100" dir="2700000" algn="tl">
+                    <a:srgbClr val="000000">
+                      <a:alpha val="43137"/>
+                    </a:srgbClr>
+                  </a:outerShdw>
+                </a:effectLst>
+                <a:latin typeface="微軟正黑體" pitchFamily="34" charset="-120"/>
+                <a:ea typeface="微軟正黑體" pitchFamily="34" charset="-120"/>
+              </a:rPr>
+            </a:br>
+            <a:r>
+              <a:rPr lang="zh-CN" altLang="en-US" sz="8000" b="1" dirty="0">
+                <a:solidFill>
+                  <a:srgbClr val="660033"/>
+                </a:solidFill>
+                <a:effectLst>
+                  <a:outerShdw blurRad="38100" dist="38100" dir="2700000" algn="tl">
+                    <a:srgbClr val="000000">
+                      <a:alpha val="43137"/>
+                    </a:srgbClr>
+                  </a:outerShdw>
+                </a:effectLst>
+                <a:latin typeface="微軟正黑體" pitchFamily="34" charset="-120"/>
+                <a:ea typeface="微軟正黑體" pitchFamily="34" charset="-120"/>
+              </a:rPr>
+              <a:t>寶</a:t>
+            </a:r>
+            <a:r>
+              <a:rPr lang="zh-CN" altLang="en-US" sz="8000" b="1" dirty="0">
+                <a:solidFill>
+                  <a:srgbClr val="660033"/>
+                </a:solidFill>
+                <a:effectLst>
+                  <a:outerShdw blurRad="38100" dist="38100" dir="2700000" algn="tl">
+                    <a:srgbClr val="000000">
+                      <a:alpha val="43137"/>
+                    </a:srgbClr>
+                  </a:outerShdw>
+                </a:effectLst>
+                <a:latin typeface="微軟正黑體" pitchFamily="34" charset="-120"/>
+                <a:ea typeface="微軟正黑體" pitchFamily="34" charset="-120"/>
+              </a:rPr>
+              <a:t>血能力</a:t>
+            </a:r>
+            <a:endParaRPr lang="zh-TW" altLang="en-US" sz="8000" b="1" dirty="0">
+              <a:solidFill>
+                <a:srgbClr val="660033"/>
+              </a:solidFill>
+              <a:effectLst>
+                <a:outerShdw blurRad="38100" dist="38100" dir="2700000" algn="tl">
+                  <a:srgbClr val="000000">
+                    <a:alpha val="43137"/>
+                  </a:srgbClr>
+                </a:outerShdw>
+              </a:effectLst>
+              <a:latin typeface="微軟正黑體" pitchFamily="34" charset="-120"/>
+              <a:ea typeface="微軟正黑體" pitchFamily="34" charset="-120"/>
+            </a:endParaRPr>
+          </a:p>
+        </p:txBody>
+      </p:sp>
+    </p:spTree>
+    <p:extLst>
+      <p:ext uri="{BB962C8B-B14F-4D97-AF65-F5344CB8AC3E}">
+        <p14:creationId xmlns:p14="http://schemas.microsoft.com/office/powerpoint/2010/main" val="4028474455"/>
+      </p:ext>
+    </p:extLst>
+  </p:cSld>
+  <p:clrMapOvr>
+    <a:masterClrMapping/>
+  </p:clrMapOvr>
+  <p:timing>
+    <p:tnLst>
+      <p:par>
+        <p:cTn id="1" dur="indefinite" restart="never" nodeType="tmRoot"/>
+      </p:par>
+    </p:tnLst>
+  </p:timing>
+</p:sld>
+</file>
+
+<file path=ppt/slides/slide10.xml><?xml version="1.0" encoding="utf-8"?>
+<p:sld xmlns:a="http://schemas.openxmlformats.org/drawingml/2006/main" xmlns:r="http://schemas.openxmlformats.org/officeDocument/2006/relationships" xmlns:p="http://schemas.openxmlformats.org/presentationml/2006/main">
+  <p:cSld>
+    <p:spTree>
+      <p:nvGrpSpPr>
+        <p:cNvPr id="1" name=""/>
+        <p:cNvGrpSpPr/>
+        <p:nvPr/>
+      </p:nvGrpSpPr>
+      <p:grpSpPr>
+        <a:xfrm>
+          <a:off x="0" y="0"/>
+          <a:ext cx="0" cy="0"/>
+          <a:chOff x="0" y="0"/>
+          <a:chExt cx="0" cy="0"/>
+        </a:xfrm>
+      </p:grpSpPr>
+      <p:sp>
+        <p:nvSpPr>
+          <p:cNvPr id="5" name="內容版面配置區 4"/>
+          <p:cNvSpPr>
+            <a:spLocks noGrp="1"/>
+          </p:cNvSpPr>
+          <p:nvPr>
+            <p:ph idx="1"/>
+          </p:nvPr>
+        </p:nvSpPr>
+        <p:spPr>
+          <a:xfrm>
+            <a:off x="0" y="2084851"/>
+            <a:ext cx="12192000" cy="2404863"/>
+          </a:xfrm>
+        </p:spPr>
+        <p:txBody>
+          <a:bodyPr anchor="ctr">
             <a:normAutofit/>
           </a:bodyPr>
           <a:lstStyle/>
           <a:p>
-            <a:r>
-              <a:rPr lang="zh-CN" altLang="en-US" sz="4800" b="1" dirty="0" smtClean="0">
-                <a:latin typeface="Microsoft JhengHei" panose="020B0604030504040204" pitchFamily="34" charset="-120"/>
-                <a:ea typeface="Microsoft JhengHei" panose="020B0604030504040204" pitchFamily="34" charset="-120"/>
+            <a:pPr algn="ctr">
+              <a:buNone/>
+            </a:pPr>
+            <a:r>
+              <a:rPr lang="zh-CN" altLang="en-US" sz="6400" b="1" dirty="0">
+                <a:solidFill>
+                  <a:srgbClr val="660033"/>
+                </a:solidFill>
+                <a:latin typeface="Microsoft JhengHei" pitchFamily="34" charset="-120"/>
+                <a:ea typeface="Microsoft JhengHei" pitchFamily="34" charset="-120"/>
               </a:rPr>
-              <a:t>寶血能力</a:t>
-            </a:r>
-            <a:endParaRPr lang="en-US" sz="4800" b="1" dirty="0">
-              <a:latin typeface="Microsoft JhengHei" panose="020B0604030504040204" pitchFamily="34" charset="-120"/>
-              <a:ea typeface="Microsoft JhengHei" panose="020B0604030504040204" pitchFamily="34" charset="-120"/>
+              <a:t>你願潔淨比較雪還白麼</a:t>
+            </a:r>
+            <a:endParaRPr lang="en-US" altLang="zh-CN" sz="6400" b="1" dirty="0">
+              <a:solidFill>
+                <a:srgbClr val="660033"/>
+              </a:solidFill>
+              <a:latin typeface="Microsoft JhengHei" pitchFamily="34" charset="-120"/>
+              <a:ea typeface="Microsoft JhengHei" pitchFamily="34" charset="-120"/>
             </a:endParaRPr>
           </a:p>
-        </p:txBody>
-      </p:sp>
-      <p:sp>
-        <p:nvSpPr>
-          <p:cNvPr id="5" name="Content Placeholder 4"/>
-          <p:cNvSpPr>
-            <a:spLocks noGrp="1"/>
-          </p:cNvSpPr>
-          <p:nvPr>
-            <p:ph idx="1"/>
-          </p:nvPr>
-        </p:nvSpPr>
-        <p:spPr/>
-        <p:txBody>
-          <a:bodyPr>
-            <a:normAutofit/>
-          </a:bodyPr>
-          <a:lstStyle/>
           <a:p>
             <a:pPr algn="ctr">
               <a:buNone/>
             </a:pPr>
             <a:r>
-              <a:rPr lang="zh-CN" altLang="en-US" sz="5400" b="1" dirty="0">
-                <a:latin typeface="Microsoft JhengHei" panose="020B0604030504040204" pitchFamily="34" charset="-120"/>
-                <a:ea typeface="Microsoft JhengHei" panose="020B0604030504040204" pitchFamily="34" charset="-120"/>
+              <a:rPr lang="zh-CN" altLang="en-US" sz="6400" b="1" dirty="0">
+                <a:solidFill>
+                  <a:srgbClr val="660033"/>
+                </a:solidFill>
+                <a:latin typeface="Microsoft JhengHei" pitchFamily="34" charset="-120"/>
+                <a:ea typeface="Microsoft JhengHei" pitchFamily="34" charset="-120"/>
               </a:rPr>
-              <a:t>你願從你的罪擔釋放麼</a:t>
-            </a:r>
-            <a:endParaRPr lang="en-US" altLang="zh-CN" sz="5400" b="1" dirty="0">
-              <a:latin typeface="Microsoft JhengHei" panose="020B0604030504040204" pitchFamily="34" charset="-120"/>
-              <a:ea typeface="Microsoft JhengHei" panose="020B0604030504040204" pitchFamily="34" charset="-120"/>
+              <a:t>在主寶血內  真有能力</a:t>
+            </a:r>
+            <a:endParaRPr lang="en-US" altLang="zh-CN" sz="6400" b="1" dirty="0">
+              <a:solidFill>
+                <a:srgbClr val="660033"/>
+              </a:solidFill>
+              <a:latin typeface="Microsoft JhengHei" pitchFamily="34" charset="-120"/>
+              <a:ea typeface="Microsoft JhengHei" pitchFamily="34" charset="-120"/>
             </a:endParaRPr>
           </a:p>
-          <a:p>
-            <a:pPr algn="ctr">
-              <a:buNone/>
-            </a:pPr>
-            <a:r>
-              <a:rPr lang="zh-CN" altLang="en-US" sz="5400" b="1" dirty="0">
-                <a:latin typeface="Microsoft JhengHei" panose="020B0604030504040204" pitchFamily="34" charset="-120"/>
-                <a:ea typeface="Microsoft JhengHei" panose="020B0604030504040204" pitchFamily="34" charset="-120"/>
-              </a:rPr>
-              <a:t>在主寶貴血</a:t>
-            </a:r>
-            <a:r>
-              <a:rPr lang="en-US" altLang="zh-CN" sz="5400" b="1" dirty="0">
-                <a:latin typeface="Microsoft JhengHei" panose="020B0604030504040204" pitchFamily="34" charset="-120"/>
-                <a:ea typeface="Microsoft JhengHei" panose="020B0604030504040204" pitchFamily="34" charset="-120"/>
-              </a:rPr>
-              <a:t> </a:t>
-            </a:r>
-            <a:r>
-              <a:rPr lang="en-US" altLang="zh-CN" sz="5400" b="1" dirty="0">
-                <a:latin typeface="Microsoft JhengHei" panose="020B0604030504040204" pitchFamily="34" charset="-120"/>
-                <a:ea typeface="Microsoft JhengHei" panose="020B0604030504040204" pitchFamily="34" charset="-120"/>
-              </a:rPr>
-              <a:t> </a:t>
-            </a:r>
-            <a:r>
-              <a:rPr lang="zh-CN" altLang="en-US" sz="5400" b="1" dirty="0">
-                <a:latin typeface="Microsoft JhengHei" panose="020B0604030504040204" pitchFamily="34" charset="-120"/>
-                <a:ea typeface="Microsoft JhengHei" panose="020B0604030504040204" pitchFamily="34" charset="-120"/>
-              </a:rPr>
-              <a:t>真有能力</a:t>
-            </a:r>
-            <a:endParaRPr lang="en-US" altLang="zh-CN" sz="5400" b="1" dirty="0">
-              <a:latin typeface="Microsoft JhengHei" panose="020B0604030504040204" pitchFamily="34" charset="-120"/>
-              <a:ea typeface="Microsoft JhengHei" panose="020B0604030504040204" pitchFamily="34" charset="-120"/>
-            </a:endParaRPr>
-          </a:p>
-          <a:p>
-            <a:pPr algn="ctr">
-              <a:buNone/>
-            </a:pPr>
-            <a:r>
-              <a:rPr lang="zh-CN" altLang="en-US" sz="5400" b="1" dirty="0">
-                <a:latin typeface="Microsoft JhengHei" panose="020B0604030504040204" pitchFamily="34" charset="-120"/>
-                <a:ea typeface="Microsoft JhengHei" panose="020B0604030504040204" pitchFamily="34" charset="-120"/>
-              </a:rPr>
-              <a:t>你願得勝一切惡性情麼</a:t>
-            </a:r>
-            <a:endParaRPr lang="en-US" altLang="zh-CN" sz="5400" b="1" dirty="0">
-              <a:latin typeface="Microsoft JhengHei" panose="020B0604030504040204" pitchFamily="34" charset="-120"/>
-              <a:ea typeface="Microsoft JhengHei" panose="020B0604030504040204" pitchFamily="34" charset="-120"/>
-            </a:endParaRPr>
-          </a:p>
-          <a:p>
-            <a:pPr algn="ctr">
-              <a:buNone/>
-            </a:pPr>
-            <a:r>
-              <a:rPr lang="zh-CN" altLang="en-US" sz="5400" b="1" dirty="0">
-                <a:latin typeface="Microsoft JhengHei" panose="020B0604030504040204" pitchFamily="34" charset="-120"/>
-                <a:ea typeface="Microsoft JhengHei" panose="020B0604030504040204" pitchFamily="34" charset="-120"/>
-              </a:rPr>
-              <a:t>耶</a:t>
-            </a:r>
-            <a:r>
-              <a:rPr lang="zh-CN" altLang="en-US" sz="5400" b="1" dirty="0">
-                <a:latin typeface="Microsoft JhengHei" panose="020B0604030504040204" pitchFamily="34" charset="-120"/>
-                <a:ea typeface="Microsoft JhengHei" panose="020B0604030504040204" pitchFamily="34" charset="-120"/>
-              </a:rPr>
-              <a:t>穌寶血內有能力</a:t>
-            </a:r>
-            <a:endParaRPr lang="en-US" sz="5400" b="1" dirty="0">
-              <a:latin typeface="Microsoft JhengHei" panose="020B0604030504040204" pitchFamily="34" charset="-120"/>
-              <a:ea typeface="Microsoft JhengHei" panose="020B0604030504040204" pitchFamily="34" charset="-120"/>
-            </a:endParaRPr>
-          </a:p>
-        </p:txBody>
-      </p:sp>
-      <p:sp>
-        <p:nvSpPr>
-          <p:cNvPr id="2" name="TextBox 1"/>
+        </p:txBody>
+      </p:sp>
+      <p:sp>
+        <p:nvSpPr>
+          <p:cNvPr id="3" name="TextBox 2"/>
           <p:cNvSpPr txBox="1"/>
           <p:nvPr/>
         </p:nvSpPr>
         <p:spPr>
           <a:xfrm>
-            <a:off x="1143000" y="1600202"/>
-            <a:ext cx="990600" cy="1015663"/>
+            <a:off x="0" y="5061182"/>
+            <a:ext cx="12192000" cy="830997"/>
           </a:xfrm>
           <a:prstGeom prst="rect">
             <a:avLst/>
@@ -3290,19 +3402,885 @@
           </a:bodyPr>
           <a:lstStyle/>
           <a:p>
-            <a:r>
-              <a:rPr lang="en-US" sz="6000" b="1" dirty="0" smtClean="0"/>
-              <a:t>1.</a:t>
-            </a:r>
-            <a:endParaRPr lang="vi-VN" sz="6000" b="1" dirty="0"/>
+            <a:pPr algn="ctr"/>
+            <a:r>
+              <a:rPr lang="en-US" sz="4800" b="1" dirty="0">
+                <a:solidFill>
+                  <a:srgbClr val="660033"/>
+                </a:solidFill>
+              </a:rPr>
+              <a:t>( 3 / 4 )</a:t>
+            </a:r>
+            <a:endParaRPr lang="vi-VN" sz="4800" b="1" dirty="0">
+              <a:solidFill>
+                <a:srgbClr val="660033"/>
+              </a:solidFill>
+            </a:endParaRPr>
           </a:p>
         </p:txBody>
       </p:sp>
     </p:spTree>
+    <p:extLst>
+      <p:ext uri="{BB962C8B-B14F-4D97-AF65-F5344CB8AC3E}">
+        <p14:creationId xmlns:p14="http://schemas.microsoft.com/office/powerpoint/2010/main" val="990265305"/>
+      </p:ext>
+    </p:extLst>
   </p:cSld>
   <p:clrMapOvr>
     <a:masterClrMapping/>
   </p:clrMapOvr>
+  <p:timing>
+    <p:tnLst>
+      <p:par>
+        <p:cTn id="1" dur="indefinite" restart="never" nodeType="tmRoot"/>
+      </p:par>
+    </p:tnLst>
+  </p:timing>
+</p:sld>
+</file>
+
+<file path=ppt/slides/slide11.xml><?xml version="1.0" encoding="utf-8"?>
+<p:sld xmlns:a="http://schemas.openxmlformats.org/drawingml/2006/main" xmlns:r="http://schemas.openxmlformats.org/officeDocument/2006/relationships" xmlns:p="http://schemas.openxmlformats.org/presentationml/2006/main">
+  <p:cSld>
+    <p:spTree>
+      <p:nvGrpSpPr>
+        <p:cNvPr id="1" name=""/>
+        <p:cNvGrpSpPr/>
+        <p:nvPr/>
+      </p:nvGrpSpPr>
+      <p:grpSpPr>
+        <a:xfrm>
+          <a:off x="0" y="0"/>
+          <a:ext cx="0" cy="0"/>
+          <a:chOff x="0" y="0"/>
+          <a:chExt cx="0" cy="0"/>
+        </a:xfrm>
+      </p:grpSpPr>
+      <p:sp>
+        <p:nvSpPr>
+          <p:cNvPr id="5" name="內容版面配置區 4"/>
+          <p:cNvSpPr>
+            <a:spLocks noGrp="1"/>
+          </p:cNvSpPr>
+          <p:nvPr>
+            <p:ph idx="1"/>
+          </p:nvPr>
+        </p:nvSpPr>
+        <p:spPr>
+          <a:xfrm>
+            <a:off x="0" y="2084851"/>
+            <a:ext cx="12192000" cy="2404863"/>
+          </a:xfrm>
+        </p:spPr>
+        <p:txBody>
+          <a:bodyPr anchor="ctr">
+            <a:normAutofit/>
+          </a:bodyPr>
+          <a:lstStyle/>
+          <a:p>
+            <a:pPr algn="ctr">
+              <a:buNone/>
+            </a:pPr>
+            <a:r>
+              <a:rPr lang="zh-CN" altLang="en-US" sz="6400" b="1" dirty="0">
+                <a:solidFill>
+                  <a:srgbClr val="660033"/>
+                </a:solidFill>
+                <a:latin typeface="Microsoft JhengHei" pitchFamily="34" charset="-120"/>
+                <a:ea typeface="Microsoft JhengHei" pitchFamily="34" charset="-120"/>
+              </a:rPr>
+              <a:t>你願在生命泉洗淨罪麼</a:t>
+            </a:r>
+            <a:endParaRPr lang="en-US" altLang="zh-CN" sz="6400" b="1" dirty="0">
+              <a:solidFill>
+                <a:srgbClr val="660033"/>
+              </a:solidFill>
+              <a:latin typeface="Microsoft JhengHei" pitchFamily="34" charset="-120"/>
+              <a:ea typeface="Microsoft JhengHei" pitchFamily="34" charset="-120"/>
+            </a:endParaRPr>
+          </a:p>
+          <a:p>
+            <a:pPr algn="ctr">
+              <a:buNone/>
+            </a:pPr>
+            <a:r>
+              <a:rPr lang="zh-CN" altLang="en-US" sz="6400" b="1" dirty="0">
+                <a:solidFill>
+                  <a:srgbClr val="660033"/>
+                </a:solidFill>
+                <a:latin typeface="Microsoft JhengHei" pitchFamily="34" charset="-120"/>
+                <a:ea typeface="Microsoft JhengHei" pitchFamily="34" charset="-120"/>
+              </a:rPr>
+              <a:t>耶穌寶血內有能力</a:t>
+            </a:r>
+            <a:endParaRPr lang="en-US" sz="6400" b="1" dirty="0">
+              <a:solidFill>
+                <a:srgbClr val="660033"/>
+              </a:solidFill>
+              <a:latin typeface="Microsoft JhengHei" pitchFamily="34" charset="-120"/>
+              <a:ea typeface="Microsoft JhengHei" pitchFamily="34" charset="-120"/>
+            </a:endParaRPr>
+          </a:p>
+        </p:txBody>
+      </p:sp>
+      <p:sp>
+        <p:nvSpPr>
+          <p:cNvPr id="3" name="TextBox 2"/>
+          <p:cNvSpPr txBox="1"/>
+          <p:nvPr/>
+        </p:nvSpPr>
+        <p:spPr>
+          <a:xfrm>
+            <a:off x="0" y="5061182"/>
+            <a:ext cx="12192000" cy="830997"/>
+          </a:xfrm>
+          <a:prstGeom prst="rect">
+            <a:avLst/>
+          </a:prstGeom>
+          <a:noFill/>
+        </p:spPr>
+        <p:txBody>
+          <a:bodyPr wrap="square" rtlCol="0">
+            <a:spAutoFit/>
+          </a:bodyPr>
+          <a:lstStyle/>
+          <a:p>
+            <a:pPr algn="ctr"/>
+            <a:r>
+              <a:rPr lang="en-US" sz="4800" b="1" dirty="0">
+                <a:solidFill>
+                  <a:srgbClr val="660033"/>
+                </a:solidFill>
+              </a:rPr>
+              <a:t>( 3 / 4 )</a:t>
+            </a:r>
+            <a:endParaRPr lang="vi-VN" sz="4800" b="1" dirty="0">
+              <a:solidFill>
+                <a:srgbClr val="660033"/>
+              </a:solidFill>
+            </a:endParaRPr>
+          </a:p>
+        </p:txBody>
+      </p:sp>
+    </p:spTree>
+    <p:extLst>
+      <p:ext uri="{BB962C8B-B14F-4D97-AF65-F5344CB8AC3E}">
+        <p14:creationId xmlns:p14="http://schemas.microsoft.com/office/powerpoint/2010/main" val="3839286537"/>
+      </p:ext>
+    </p:extLst>
+  </p:cSld>
+  <p:clrMapOvr>
+    <a:masterClrMapping/>
+  </p:clrMapOvr>
+  <p:timing>
+    <p:tnLst>
+      <p:par>
+        <p:cTn id="1" dur="indefinite" restart="never" nodeType="tmRoot"/>
+      </p:par>
+    </p:tnLst>
+  </p:timing>
+</p:sld>
+</file>
+
+<file path=ppt/slides/slide12.xml><?xml version="1.0" encoding="utf-8"?>
+<p:sld xmlns:a="http://schemas.openxmlformats.org/drawingml/2006/main" xmlns:r="http://schemas.openxmlformats.org/officeDocument/2006/relationships" xmlns:p="http://schemas.openxmlformats.org/presentationml/2006/main">
+  <p:cSld>
+    <p:spTree>
+      <p:nvGrpSpPr>
+        <p:cNvPr id="1" name=""/>
+        <p:cNvGrpSpPr/>
+        <p:nvPr/>
+      </p:nvGrpSpPr>
+      <p:grpSpPr>
+        <a:xfrm>
+          <a:off x="0" y="0"/>
+          <a:ext cx="0" cy="0"/>
+          <a:chOff x="0" y="0"/>
+          <a:chExt cx="0" cy="0"/>
+        </a:xfrm>
+      </p:grpSpPr>
+      <p:sp>
+        <p:nvSpPr>
+          <p:cNvPr id="5" name="內容版面配置區 4"/>
+          <p:cNvSpPr>
+            <a:spLocks noGrp="1"/>
+          </p:cNvSpPr>
+          <p:nvPr>
+            <p:ph idx="1"/>
+          </p:nvPr>
+        </p:nvSpPr>
+        <p:spPr>
+          <a:xfrm>
+            <a:off x="0" y="2084851"/>
+            <a:ext cx="12192000" cy="2404863"/>
+          </a:xfrm>
+        </p:spPr>
+        <p:txBody>
+          <a:bodyPr anchor="ctr">
+            <a:normAutofit/>
+          </a:bodyPr>
+          <a:lstStyle/>
+          <a:p>
+            <a:pPr algn="ctr">
+              <a:buNone/>
+            </a:pPr>
+            <a:r>
+              <a:rPr lang="zh-CN" altLang="en-US" sz="6400" b="1" dirty="0">
+                <a:solidFill>
+                  <a:srgbClr val="660033"/>
+                </a:solidFill>
+                <a:latin typeface="Microsoft JhengHei" pitchFamily="34" charset="-120"/>
+                <a:ea typeface="Microsoft JhengHei" pitchFamily="34" charset="-120"/>
+              </a:rPr>
+              <a:t>真有能  能  奇哉大權能</a:t>
+            </a:r>
+            <a:endParaRPr lang="en-US" altLang="zh-CN" sz="6400" b="1" dirty="0">
+              <a:solidFill>
+                <a:srgbClr val="660033"/>
+              </a:solidFill>
+              <a:latin typeface="Microsoft JhengHei" pitchFamily="34" charset="-120"/>
+              <a:ea typeface="Microsoft JhengHei" pitchFamily="34" charset="-120"/>
+            </a:endParaRPr>
+          </a:p>
+          <a:p>
+            <a:pPr algn="ctr">
+              <a:buNone/>
+            </a:pPr>
+            <a:r>
+              <a:rPr lang="zh-CN" altLang="en-US" sz="6400" b="1" dirty="0">
+                <a:solidFill>
+                  <a:srgbClr val="660033"/>
+                </a:solidFill>
+                <a:latin typeface="Microsoft JhengHei" pitchFamily="34" charset="-120"/>
+                <a:ea typeface="Microsoft JhengHei" pitchFamily="34" charset="-120"/>
+              </a:rPr>
+              <a:t>在羔羊  寶血內</a:t>
+            </a:r>
+            <a:endParaRPr lang="en-US" altLang="zh-CN" sz="6400" b="1" dirty="0">
+              <a:solidFill>
+                <a:srgbClr val="660033"/>
+              </a:solidFill>
+              <a:latin typeface="Microsoft JhengHei" pitchFamily="34" charset="-120"/>
+              <a:ea typeface="Microsoft JhengHei" pitchFamily="34" charset="-120"/>
+            </a:endParaRPr>
+          </a:p>
+        </p:txBody>
+      </p:sp>
+    </p:spTree>
+    <p:extLst>
+      <p:ext uri="{BB962C8B-B14F-4D97-AF65-F5344CB8AC3E}">
+        <p14:creationId xmlns:p14="http://schemas.microsoft.com/office/powerpoint/2010/main" val="3684413155"/>
+      </p:ext>
+    </p:extLst>
+  </p:cSld>
+  <p:clrMapOvr>
+    <a:masterClrMapping/>
+  </p:clrMapOvr>
+  <p:timing>
+    <p:tnLst>
+      <p:par>
+        <p:cTn id="1" dur="indefinite" restart="never" nodeType="tmRoot"/>
+      </p:par>
+    </p:tnLst>
+  </p:timing>
+</p:sld>
+</file>
+
+<file path=ppt/slides/slide13.xml><?xml version="1.0" encoding="utf-8"?>
+<p:sld xmlns:a="http://schemas.openxmlformats.org/drawingml/2006/main" xmlns:r="http://schemas.openxmlformats.org/officeDocument/2006/relationships" xmlns:p="http://schemas.openxmlformats.org/presentationml/2006/main">
+  <p:cSld>
+    <p:spTree>
+      <p:nvGrpSpPr>
+        <p:cNvPr id="1" name=""/>
+        <p:cNvGrpSpPr/>
+        <p:nvPr/>
+      </p:nvGrpSpPr>
+      <p:grpSpPr>
+        <a:xfrm>
+          <a:off x="0" y="0"/>
+          <a:ext cx="0" cy="0"/>
+          <a:chOff x="0" y="0"/>
+          <a:chExt cx="0" cy="0"/>
+        </a:xfrm>
+      </p:grpSpPr>
+      <p:sp>
+        <p:nvSpPr>
+          <p:cNvPr id="5" name="內容版面配置區 4"/>
+          <p:cNvSpPr>
+            <a:spLocks noGrp="1"/>
+          </p:cNvSpPr>
+          <p:nvPr>
+            <p:ph idx="1"/>
+          </p:nvPr>
+        </p:nvSpPr>
+        <p:spPr>
+          <a:xfrm>
+            <a:off x="0" y="2084851"/>
+            <a:ext cx="12192000" cy="2404863"/>
+          </a:xfrm>
+        </p:spPr>
+        <p:txBody>
+          <a:bodyPr anchor="ctr">
+            <a:normAutofit/>
+          </a:bodyPr>
+          <a:lstStyle/>
+          <a:p>
+            <a:pPr algn="ctr">
+              <a:buNone/>
+            </a:pPr>
+            <a:r>
+              <a:rPr lang="zh-CN" altLang="en-US" sz="6400" b="1" dirty="0">
+                <a:solidFill>
+                  <a:srgbClr val="660033"/>
+                </a:solidFill>
+                <a:latin typeface="Microsoft JhengHei" pitchFamily="34" charset="-120"/>
+                <a:ea typeface="Microsoft JhengHei" pitchFamily="34" charset="-120"/>
+              </a:rPr>
+              <a:t>真有能  能  奇哉大權能</a:t>
+            </a:r>
+            <a:endParaRPr lang="en-US" altLang="zh-CN" sz="6400" b="1" dirty="0">
+              <a:solidFill>
+                <a:srgbClr val="660033"/>
+              </a:solidFill>
+              <a:latin typeface="Microsoft JhengHei" pitchFamily="34" charset="-120"/>
+              <a:ea typeface="Microsoft JhengHei" pitchFamily="34" charset="-120"/>
+            </a:endParaRPr>
+          </a:p>
+          <a:p>
+            <a:pPr algn="ctr">
+              <a:buNone/>
+            </a:pPr>
+            <a:r>
+              <a:rPr lang="zh-CN" altLang="en-US" sz="6400" b="1" dirty="0">
+                <a:solidFill>
+                  <a:srgbClr val="660033"/>
+                </a:solidFill>
+                <a:latin typeface="Microsoft JhengHei" pitchFamily="34" charset="-120"/>
+                <a:ea typeface="Microsoft JhengHei" pitchFamily="34" charset="-120"/>
+              </a:rPr>
+              <a:t>顯明在羔羊寶血內</a:t>
+            </a:r>
+            <a:endParaRPr lang="en-US" sz="6400" b="1" dirty="0">
+              <a:solidFill>
+                <a:srgbClr val="660033"/>
+              </a:solidFill>
+              <a:latin typeface="Microsoft JhengHei" pitchFamily="34" charset="-120"/>
+              <a:ea typeface="Microsoft JhengHei" pitchFamily="34" charset="-120"/>
+            </a:endParaRPr>
+          </a:p>
+        </p:txBody>
+      </p:sp>
+    </p:spTree>
+    <p:extLst>
+      <p:ext uri="{BB962C8B-B14F-4D97-AF65-F5344CB8AC3E}">
+        <p14:creationId xmlns:p14="http://schemas.microsoft.com/office/powerpoint/2010/main" val="1501396776"/>
+      </p:ext>
+    </p:extLst>
+  </p:cSld>
+  <p:clrMapOvr>
+    <a:masterClrMapping/>
+  </p:clrMapOvr>
+  <p:timing>
+    <p:tnLst>
+      <p:par>
+        <p:cTn id="1" dur="indefinite" restart="never" nodeType="tmRoot"/>
+      </p:par>
+    </p:tnLst>
+  </p:timing>
+</p:sld>
+</file>
+
+<file path=ppt/slides/slide14.xml><?xml version="1.0" encoding="utf-8"?>
+<p:sld xmlns:a="http://schemas.openxmlformats.org/drawingml/2006/main" xmlns:r="http://schemas.openxmlformats.org/officeDocument/2006/relationships" xmlns:p="http://schemas.openxmlformats.org/presentationml/2006/main">
+  <p:cSld>
+    <p:spTree>
+      <p:nvGrpSpPr>
+        <p:cNvPr id="1" name=""/>
+        <p:cNvGrpSpPr/>
+        <p:nvPr/>
+      </p:nvGrpSpPr>
+      <p:grpSpPr>
+        <a:xfrm>
+          <a:off x="0" y="0"/>
+          <a:ext cx="0" cy="0"/>
+          <a:chOff x="0" y="0"/>
+          <a:chExt cx="0" cy="0"/>
+        </a:xfrm>
+      </p:grpSpPr>
+      <p:sp>
+        <p:nvSpPr>
+          <p:cNvPr id="5" name="內容版面配置區 4"/>
+          <p:cNvSpPr>
+            <a:spLocks noGrp="1"/>
+          </p:cNvSpPr>
+          <p:nvPr>
+            <p:ph idx="1"/>
+          </p:nvPr>
+        </p:nvSpPr>
+        <p:spPr>
+          <a:xfrm>
+            <a:off x="0" y="2084851"/>
+            <a:ext cx="12192000" cy="2404863"/>
+          </a:xfrm>
+        </p:spPr>
+        <p:txBody>
+          <a:bodyPr anchor="ctr">
+            <a:normAutofit/>
+          </a:bodyPr>
+          <a:lstStyle/>
+          <a:p>
+            <a:pPr algn="ctr">
+              <a:buNone/>
+            </a:pPr>
+            <a:r>
+              <a:rPr lang="zh-CN" altLang="en-US" sz="6400" b="1" dirty="0">
+                <a:solidFill>
+                  <a:srgbClr val="660033"/>
+                </a:solidFill>
+                <a:latin typeface="Microsoft JhengHei" pitchFamily="34" charset="-120"/>
+                <a:ea typeface="Microsoft JhengHei" pitchFamily="34" charset="-120"/>
+              </a:rPr>
+              <a:t>你願為主你君王做工麼</a:t>
+            </a:r>
+            <a:endParaRPr lang="en-US" altLang="zh-CN" sz="6400" b="1" dirty="0">
+              <a:solidFill>
+                <a:srgbClr val="660033"/>
+              </a:solidFill>
+              <a:latin typeface="Microsoft JhengHei" pitchFamily="34" charset="-120"/>
+              <a:ea typeface="Microsoft JhengHei" pitchFamily="34" charset="-120"/>
+            </a:endParaRPr>
+          </a:p>
+          <a:p>
+            <a:pPr algn="ctr">
+              <a:buNone/>
+            </a:pPr>
+            <a:r>
+              <a:rPr lang="zh-CN" altLang="en-US" sz="6400" b="1" dirty="0">
+                <a:solidFill>
+                  <a:srgbClr val="660033"/>
+                </a:solidFill>
+                <a:latin typeface="Microsoft JhengHei" pitchFamily="34" charset="-120"/>
+                <a:ea typeface="Microsoft JhengHei" pitchFamily="34" charset="-120"/>
+              </a:rPr>
+              <a:t>在主寶血內  真有能力</a:t>
+            </a:r>
+            <a:endParaRPr lang="en-US" altLang="zh-CN" sz="6400" b="1" dirty="0">
+              <a:solidFill>
+                <a:srgbClr val="660033"/>
+              </a:solidFill>
+              <a:latin typeface="Microsoft JhengHei" pitchFamily="34" charset="-120"/>
+              <a:ea typeface="Microsoft JhengHei" pitchFamily="34" charset="-120"/>
+            </a:endParaRPr>
+          </a:p>
+        </p:txBody>
+      </p:sp>
+      <p:sp>
+        <p:nvSpPr>
+          <p:cNvPr id="3" name="TextBox 2"/>
+          <p:cNvSpPr txBox="1"/>
+          <p:nvPr/>
+        </p:nvSpPr>
+        <p:spPr>
+          <a:xfrm>
+            <a:off x="0" y="5061182"/>
+            <a:ext cx="12192000" cy="830997"/>
+          </a:xfrm>
+          <a:prstGeom prst="rect">
+            <a:avLst/>
+          </a:prstGeom>
+          <a:noFill/>
+        </p:spPr>
+        <p:txBody>
+          <a:bodyPr wrap="square" rtlCol="0">
+            <a:spAutoFit/>
+          </a:bodyPr>
+          <a:lstStyle/>
+          <a:p>
+            <a:pPr algn="ctr"/>
+            <a:r>
+              <a:rPr lang="en-US" sz="4800" b="1" dirty="0">
+                <a:solidFill>
+                  <a:srgbClr val="660033"/>
+                </a:solidFill>
+              </a:rPr>
+              <a:t>( 4 / 4 )</a:t>
+            </a:r>
+            <a:endParaRPr lang="vi-VN" sz="4800" b="1" dirty="0">
+              <a:solidFill>
+                <a:srgbClr val="660033"/>
+              </a:solidFill>
+            </a:endParaRPr>
+          </a:p>
+        </p:txBody>
+      </p:sp>
+    </p:spTree>
+    <p:extLst>
+      <p:ext uri="{BB962C8B-B14F-4D97-AF65-F5344CB8AC3E}">
+        <p14:creationId xmlns:p14="http://schemas.microsoft.com/office/powerpoint/2010/main" val="3530468975"/>
+      </p:ext>
+    </p:extLst>
+  </p:cSld>
+  <p:clrMapOvr>
+    <a:masterClrMapping/>
+  </p:clrMapOvr>
+  <p:timing>
+    <p:tnLst>
+      <p:par>
+        <p:cTn id="1" dur="indefinite" restart="never" nodeType="tmRoot"/>
+      </p:par>
+    </p:tnLst>
+  </p:timing>
+</p:sld>
+</file>
+
+<file path=ppt/slides/slide15.xml><?xml version="1.0" encoding="utf-8"?>
+<p:sld xmlns:a="http://schemas.openxmlformats.org/drawingml/2006/main" xmlns:r="http://schemas.openxmlformats.org/officeDocument/2006/relationships" xmlns:p="http://schemas.openxmlformats.org/presentationml/2006/main">
+  <p:cSld>
+    <p:spTree>
+      <p:nvGrpSpPr>
+        <p:cNvPr id="1" name=""/>
+        <p:cNvGrpSpPr/>
+        <p:nvPr/>
+      </p:nvGrpSpPr>
+      <p:grpSpPr>
+        <a:xfrm>
+          <a:off x="0" y="0"/>
+          <a:ext cx="0" cy="0"/>
+          <a:chOff x="0" y="0"/>
+          <a:chExt cx="0" cy="0"/>
+        </a:xfrm>
+      </p:grpSpPr>
+      <p:sp>
+        <p:nvSpPr>
+          <p:cNvPr id="5" name="內容版面配置區 4"/>
+          <p:cNvSpPr>
+            <a:spLocks noGrp="1"/>
+          </p:cNvSpPr>
+          <p:nvPr>
+            <p:ph idx="1"/>
+          </p:nvPr>
+        </p:nvSpPr>
+        <p:spPr>
+          <a:xfrm>
+            <a:off x="0" y="2084851"/>
+            <a:ext cx="12192000" cy="2404863"/>
+          </a:xfrm>
+        </p:spPr>
+        <p:txBody>
+          <a:bodyPr anchor="ctr">
+            <a:normAutofit/>
+          </a:bodyPr>
+          <a:lstStyle/>
+          <a:p>
+            <a:pPr algn="ctr">
+              <a:buNone/>
+            </a:pPr>
+            <a:r>
+              <a:rPr lang="zh-CN" altLang="en-US" sz="6400" b="1" dirty="0">
+                <a:solidFill>
+                  <a:srgbClr val="660033"/>
+                </a:solidFill>
+                <a:latin typeface="Microsoft JhengHei" pitchFamily="34" charset="-120"/>
+                <a:ea typeface="Microsoft JhengHei" pitchFamily="34" charset="-120"/>
+              </a:rPr>
+              <a:t>你願日日唱得勝凱歌麼</a:t>
+            </a:r>
+            <a:endParaRPr lang="en-US" altLang="zh-CN" sz="6400" b="1" dirty="0">
+              <a:solidFill>
+                <a:srgbClr val="660033"/>
+              </a:solidFill>
+              <a:latin typeface="Microsoft JhengHei" pitchFamily="34" charset="-120"/>
+              <a:ea typeface="Microsoft JhengHei" pitchFamily="34" charset="-120"/>
+            </a:endParaRPr>
+          </a:p>
+          <a:p>
+            <a:pPr algn="ctr">
+              <a:buNone/>
+            </a:pPr>
+            <a:r>
+              <a:rPr lang="zh-CN" altLang="en-US" sz="6400" b="1" dirty="0">
+                <a:solidFill>
+                  <a:srgbClr val="660033"/>
+                </a:solidFill>
+                <a:latin typeface="Microsoft JhengHei" pitchFamily="34" charset="-120"/>
+                <a:ea typeface="Microsoft JhengHei" pitchFamily="34" charset="-120"/>
+              </a:rPr>
+              <a:t>耶穌寶血內有能力</a:t>
+            </a:r>
+            <a:endParaRPr lang="en-US" sz="6400" b="1" dirty="0">
+              <a:solidFill>
+                <a:srgbClr val="660033"/>
+              </a:solidFill>
+              <a:latin typeface="Microsoft JhengHei" pitchFamily="34" charset="-120"/>
+              <a:ea typeface="Microsoft JhengHei" pitchFamily="34" charset="-120"/>
+            </a:endParaRPr>
+          </a:p>
+        </p:txBody>
+      </p:sp>
+      <p:sp>
+        <p:nvSpPr>
+          <p:cNvPr id="3" name="TextBox 2"/>
+          <p:cNvSpPr txBox="1"/>
+          <p:nvPr/>
+        </p:nvSpPr>
+        <p:spPr>
+          <a:xfrm>
+            <a:off x="0" y="5061182"/>
+            <a:ext cx="12192000" cy="830997"/>
+          </a:xfrm>
+          <a:prstGeom prst="rect">
+            <a:avLst/>
+          </a:prstGeom>
+          <a:noFill/>
+        </p:spPr>
+        <p:txBody>
+          <a:bodyPr wrap="square" rtlCol="0">
+            <a:spAutoFit/>
+          </a:bodyPr>
+          <a:lstStyle/>
+          <a:p>
+            <a:pPr algn="ctr"/>
+            <a:r>
+              <a:rPr lang="en-US" sz="4800" b="1" dirty="0">
+                <a:solidFill>
+                  <a:srgbClr val="660033"/>
+                </a:solidFill>
+              </a:rPr>
+              <a:t>( 4 / 4 )</a:t>
+            </a:r>
+            <a:endParaRPr lang="vi-VN" sz="4800" b="1" dirty="0">
+              <a:solidFill>
+                <a:srgbClr val="660033"/>
+              </a:solidFill>
+            </a:endParaRPr>
+          </a:p>
+        </p:txBody>
+      </p:sp>
+    </p:spTree>
+    <p:extLst>
+      <p:ext uri="{BB962C8B-B14F-4D97-AF65-F5344CB8AC3E}">
+        <p14:creationId xmlns:p14="http://schemas.microsoft.com/office/powerpoint/2010/main" val="2081591139"/>
+      </p:ext>
+    </p:extLst>
+  </p:cSld>
+  <p:clrMapOvr>
+    <a:masterClrMapping/>
+  </p:clrMapOvr>
+  <p:timing>
+    <p:tnLst>
+      <p:par>
+        <p:cTn id="1" dur="indefinite" restart="never" nodeType="tmRoot"/>
+      </p:par>
+    </p:tnLst>
+  </p:timing>
+</p:sld>
+</file>
+
+<file path=ppt/slides/slide16.xml><?xml version="1.0" encoding="utf-8"?>
+<p:sld xmlns:a="http://schemas.openxmlformats.org/drawingml/2006/main" xmlns:r="http://schemas.openxmlformats.org/officeDocument/2006/relationships" xmlns:p="http://schemas.openxmlformats.org/presentationml/2006/main">
+  <p:cSld>
+    <p:spTree>
+      <p:nvGrpSpPr>
+        <p:cNvPr id="1" name=""/>
+        <p:cNvGrpSpPr/>
+        <p:nvPr/>
+      </p:nvGrpSpPr>
+      <p:grpSpPr>
+        <a:xfrm>
+          <a:off x="0" y="0"/>
+          <a:ext cx="0" cy="0"/>
+          <a:chOff x="0" y="0"/>
+          <a:chExt cx="0" cy="0"/>
+        </a:xfrm>
+      </p:grpSpPr>
+      <p:sp>
+        <p:nvSpPr>
+          <p:cNvPr id="5" name="內容版面配置區 4"/>
+          <p:cNvSpPr>
+            <a:spLocks noGrp="1"/>
+          </p:cNvSpPr>
+          <p:nvPr>
+            <p:ph idx="1"/>
+          </p:nvPr>
+        </p:nvSpPr>
+        <p:spPr>
+          <a:xfrm>
+            <a:off x="0" y="2084851"/>
+            <a:ext cx="12192000" cy="2404863"/>
+          </a:xfrm>
+        </p:spPr>
+        <p:txBody>
+          <a:bodyPr anchor="ctr">
+            <a:normAutofit/>
+          </a:bodyPr>
+          <a:lstStyle/>
+          <a:p>
+            <a:pPr algn="ctr">
+              <a:buNone/>
+            </a:pPr>
+            <a:r>
+              <a:rPr lang="zh-CN" altLang="en-US" sz="6400" b="1" dirty="0">
+                <a:solidFill>
+                  <a:srgbClr val="660033"/>
+                </a:solidFill>
+                <a:latin typeface="Microsoft JhengHei" pitchFamily="34" charset="-120"/>
+                <a:ea typeface="Microsoft JhengHei" pitchFamily="34" charset="-120"/>
+              </a:rPr>
+              <a:t>真有能  能  奇哉大權能</a:t>
+            </a:r>
+            <a:endParaRPr lang="en-US" altLang="zh-CN" sz="6400" b="1" dirty="0">
+              <a:solidFill>
+                <a:srgbClr val="660033"/>
+              </a:solidFill>
+              <a:latin typeface="Microsoft JhengHei" pitchFamily="34" charset="-120"/>
+              <a:ea typeface="Microsoft JhengHei" pitchFamily="34" charset="-120"/>
+            </a:endParaRPr>
+          </a:p>
+          <a:p>
+            <a:pPr algn="ctr">
+              <a:buNone/>
+            </a:pPr>
+            <a:r>
+              <a:rPr lang="zh-CN" altLang="en-US" sz="6400" b="1" dirty="0">
+                <a:solidFill>
+                  <a:srgbClr val="660033"/>
+                </a:solidFill>
+                <a:latin typeface="Microsoft JhengHei" pitchFamily="34" charset="-120"/>
+                <a:ea typeface="Microsoft JhengHei" pitchFamily="34" charset="-120"/>
+              </a:rPr>
+              <a:t>在羔羊  寶血內</a:t>
+            </a:r>
+            <a:endParaRPr lang="en-US" altLang="zh-CN" sz="6400" b="1" dirty="0">
+              <a:solidFill>
+                <a:srgbClr val="660033"/>
+              </a:solidFill>
+              <a:latin typeface="Microsoft JhengHei" pitchFamily="34" charset="-120"/>
+              <a:ea typeface="Microsoft JhengHei" pitchFamily="34" charset="-120"/>
+            </a:endParaRPr>
+          </a:p>
+        </p:txBody>
+      </p:sp>
+    </p:spTree>
+    <p:extLst>
+      <p:ext uri="{BB962C8B-B14F-4D97-AF65-F5344CB8AC3E}">
+        <p14:creationId xmlns:p14="http://schemas.microsoft.com/office/powerpoint/2010/main" val="3586708904"/>
+      </p:ext>
+    </p:extLst>
+  </p:cSld>
+  <p:clrMapOvr>
+    <a:masterClrMapping/>
+  </p:clrMapOvr>
+  <p:timing>
+    <p:tnLst>
+      <p:par>
+        <p:cTn id="1" dur="indefinite" restart="never" nodeType="tmRoot"/>
+      </p:par>
+    </p:tnLst>
+  </p:timing>
+</p:sld>
+</file>
+
+<file path=ppt/slides/slide17.xml><?xml version="1.0" encoding="utf-8"?>
+<p:sld xmlns:a="http://schemas.openxmlformats.org/drawingml/2006/main" xmlns:r="http://schemas.openxmlformats.org/officeDocument/2006/relationships" xmlns:p="http://schemas.openxmlformats.org/presentationml/2006/main">
+  <p:cSld>
+    <p:spTree>
+      <p:nvGrpSpPr>
+        <p:cNvPr id="1" name=""/>
+        <p:cNvGrpSpPr/>
+        <p:nvPr/>
+      </p:nvGrpSpPr>
+      <p:grpSpPr>
+        <a:xfrm>
+          <a:off x="0" y="0"/>
+          <a:ext cx="0" cy="0"/>
+          <a:chOff x="0" y="0"/>
+          <a:chExt cx="0" cy="0"/>
+        </a:xfrm>
+      </p:grpSpPr>
+      <p:sp>
+        <p:nvSpPr>
+          <p:cNvPr id="5" name="內容版面配置區 4"/>
+          <p:cNvSpPr>
+            <a:spLocks noGrp="1"/>
+          </p:cNvSpPr>
+          <p:nvPr>
+            <p:ph idx="1"/>
+          </p:nvPr>
+        </p:nvSpPr>
+        <p:spPr>
+          <a:xfrm>
+            <a:off x="0" y="2084851"/>
+            <a:ext cx="12192000" cy="2404863"/>
+          </a:xfrm>
+        </p:spPr>
+        <p:txBody>
+          <a:bodyPr anchor="ctr">
+            <a:normAutofit/>
+          </a:bodyPr>
+          <a:lstStyle/>
+          <a:p>
+            <a:pPr algn="ctr">
+              <a:buNone/>
+            </a:pPr>
+            <a:r>
+              <a:rPr lang="zh-CN" altLang="en-US" sz="6400" b="1" dirty="0">
+                <a:solidFill>
+                  <a:srgbClr val="660033"/>
+                </a:solidFill>
+                <a:latin typeface="Microsoft JhengHei" pitchFamily="34" charset="-120"/>
+                <a:ea typeface="Microsoft JhengHei" pitchFamily="34" charset="-120"/>
+              </a:rPr>
+              <a:t>真有能  能  奇哉大權能</a:t>
+            </a:r>
+            <a:endParaRPr lang="en-US" altLang="zh-CN" sz="6400" b="1" dirty="0">
+              <a:solidFill>
+                <a:srgbClr val="660033"/>
+              </a:solidFill>
+              <a:latin typeface="Microsoft JhengHei" pitchFamily="34" charset="-120"/>
+              <a:ea typeface="Microsoft JhengHei" pitchFamily="34" charset="-120"/>
+            </a:endParaRPr>
+          </a:p>
+          <a:p>
+            <a:pPr algn="ctr">
+              <a:buNone/>
+            </a:pPr>
+            <a:r>
+              <a:rPr lang="zh-CN" altLang="en-US" sz="6400" b="1" dirty="0">
+                <a:solidFill>
+                  <a:srgbClr val="660033"/>
+                </a:solidFill>
+                <a:latin typeface="Microsoft JhengHei" pitchFamily="34" charset="-120"/>
+                <a:ea typeface="Microsoft JhengHei" pitchFamily="34" charset="-120"/>
+              </a:rPr>
+              <a:t>顯明在羔羊寶血內</a:t>
+            </a:r>
+            <a:endParaRPr lang="en-US" sz="6400" b="1" dirty="0">
+              <a:solidFill>
+                <a:srgbClr val="660033"/>
+              </a:solidFill>
+              <a:latin typeface="Microsoft JhengHei" pitchFamily="34" charset="-120"/>
+              <a:ea typeface="Microsoft JhengHei" pitchFamily="34" charset="-120"/>
+            </a:endParaRPr>
+          </a:p>
+        </p:txBody>
+      </p:sp>
+    </p:spTree>
+    <p:extLst>
+      <p:ext uri="{BB962C8B-B14F-4D97-AF65-F5344CB8AC3E}">
+        <p14:creationId xmlns:p14="http://schemas.microsoft.com/office/powerpoint/2010/main" val="159120898"/>
+      </p:ext>
+    </p:extLst>
+  </p:cSld>
+  <p:clrMapOvr>
+    <a:masterClrMapping/>
+  </p:clrMapOvr>
+  <p:timing>
+    <p:tnLst>
+      <p:par>
+        <p:cTn id="1" dur="indefinite" restart="never" nodeType="tmRoot"/>
+      </p:par>
+    </p:tnLst>
+  </p:timing>
 </p:sld>
 </file>
 
@@ -3325,122 +4303,157 @@
       </p:grpSpPr>
       <p:sp>
         <p:nvSpPr>
-          <p:cNvPr id="4" name="Title 3"/>
-          <p:cNvSpPr>
-            <a:spLocks noGrp="1"/>
-          </p:cNvSpPr>
-          <p:nvPr>
-            <p:ph type="title"/>
-          </p:nvPr>
-        </p:nvSpPr>
-        <p:spPr/>
-        <p:txBody>
-          <a:bodyPr>
+          <p:cNvPr id="5" name="內容版面配置區 4"/>
+          <p:cNvSpPr>
+            <a:spLocks noGrp="1"/>
+          </p:cNvSpPr>
+          <p:nvPr>
+            <p:ph idx="1"/>
+          </p:nvPr>
+        </p:nvSpPr>
+        <p:spPr>
+          <a:xfrm>
+            <a:off x="0" y="2084851"/>
+            <a:ext cx="12192000" cy="2404863"/>
+          </a:xfrm>
+        </p:spPr>
+        <p:txBody>
+          <a:bodyPr anchor="ctr">
             <a:normAutofit/>
           </a:bodyPr>
           <a:lstStyle/>
           <a:p>
-            <a:r>
-              <a:rPr lang="zh-CN" altLang="en-US" sz="4800" b="1" dirty="0">
-                <a:latin typeface="Microsoft JhengHei" panose="020B0604030504040204" pitchFamily="34" charset="-120"/>
-                <a:ea typeface="Microsoft JhengHei" panose="020B0604030504040204" pitchFamily="34" charset="-120"/>
+            <a:pPr algn="ctr">
+              <a:buNone/>
+            </a:pPr>
+            <a:r>
+              <a:rPr lang="zh-CN" altLang="en-US" sz="6400" b="1" dirty="0">
+                <a:solidFill>
+                  <a:srgbClr val="660033"/>
+                </a:solidFill>
+                <a:latin typeface="Microsoft JhengHei" pitchFamily="34" charset="-120"/>
+                <a:ea typeface="Microsoft JhengHei" pitchFamily="34" charset="-120"/>
               </a:rPr>
-              <a:t>寶血能力</a:t>
-            </a:r>
-            <a:endParaRPr lang="en-US" sz="4800" b="1" dirty="0">
-              <a:latin typeface="Microsoft JhengHei" panose="020B0604030504040204" pitchFamily="34" charset="-120"/>
-              <a:ea typeface="Microsoft JhengHei" panose="020B0604030504040204" pitchFamily="34" charset="-120"/>
+              <a:t>你</a:t>
+            </a:r>
+            <a:r>
+              <a:rPr lang="zh-CN" altLang="en-US" sz="6400" b="1" dirty="0">
+                <a:solidFill>
+                  <a:srgbClr val="660033"/>
+                </a:solidFill>
+                <a:latin typeface="Microsoft JhengHei" pitchFamily="34" charset="-120"/>
+                <a:ea typeface="Microsoft JhengHei" pitchFamily="34" charset="-120"/>
+              </a:rPr>
+              <a:t>願從你的罪擔釋放麼</a:t>
+            </a:r>
+            <a:endParaRPr lang="en-US" altLang="zh-CN" sz="6400" b="1" dirty="0">
+              <a:solidFill>
+                <a:srgbClr val="660033"/>
+              </a:solidFill>
+              <a:latin typeface="Microsoft JhengHei" pitchFamily="34" charset="-120"/>
+              <a:ea typeface="Microsoft JhengHei" pitchFamily="34" charset="-120"/>
             </a:endParaRPr>
           </a:p>
-        </p:txBody>
-      </p:sp>
-      <p:sp>
-        <p:nvSpPr>
-          <p:cNvPr id="5" name="Content Placeholder 4"/>
-          <p:cNvSpPr>
-            <a:spLocks noGrp="1"/>
-          </p:cNvSpPr>
-          <p:nvPr>
-            <p:ph idx="1"/>
-          </p:nvPr>
-        </p:nvSpPr>
-        <p:spPr/>
-        <p:txBody>
-          <a:bodyPr>
-            <a:normAutofit/>
+          <a:p>
+            <a:pPr algn="ctr">
+              <a:buNone/>
+            </a:pPr>
+            <a:r>
+              <a:rPr lang="zh-CN" altLang="en-US" sz="6400" b="1" dirty="0">
+                <a:solidFill>
+                  <a:srgbClr val="660033"/>
+                </a:solidFill>
+                <a:latin typeface="Microsoft JhengHei" pitchFamily="34" charset="-120"/>
+                <a:ea typeface="Microsoft JhengHei" pitchFamily="34" charset="-120"/>
+              </a:rPr>
+              <a:t>在主寶貴血</a:t>
+            </a:r>
+            <a:r>
+              <a:rPr lang="en-US" altLang="zh-CN" sz="6400" b="1" dirty="0">
+                <a:solidFill>
+                  <a:srgbClr val="660033"/>
+                </a:solidFill>
+                <a:latin typeface="Microsoft JhengHei" pitchFamily="34" charset="-120"/>
+                <a:ea typeface="Microsoft JhengHei" pitchFamily="34" charset="-120"/>
+              </a:rPr>
+              <a:t>  </a:t>
+            </a:r>
+            <a:r>
+              <a:rPr lang="zh-CN" altLang="en-US" sz="6400" b="1" dirty="0">
+                <a:solidFill>
+                  <a:srgbClr val="660033"/>
+                </a:solidFill>
+                <a:latin typeface="Microsoft JhengHei" pitchFamily="34" charset="-120"/>
+                <a:ea typeface="Microsoft JhengHei" pitchFamily="34" charset="-120"/>
+              </a:rPr>
+              <a:t>真有能力</a:t>
+            </a:r>
+            <a:endParaRPr lang="en-US" altLang="zh-CN" sz="6400" b="1" dirty="0">
+              <a:solidFill>
+                <a:srgbClr val="660033"/>
+              </a:solidFill>
+              <a:latin typeface="Microsoft JhengHei" pitchFamily="34" charset="-120"/>
+              <a:ea typeface="Microsoft JhengHei" pitchFamily="34" charset="-120"/>
+            </a:endParaRPr>
+          </a:p>
+        </p:txBody>
+      </p:sp>
+      <p:sp>
+        <p:nvSpPr>
+          <p:cNvPr id="3" name="TextBox 2"/>
+          <p:cNvSpPr txBox="1"/>
+          <p:nvPr/>
+        </p:nvSpPr>
+        <p:spPr>
+          <a:xfrm>
+            <a:off x="0" y="5061182"/>
+            <a:ext cx="12192000" cy="830997"/>
+          </a:xfrm>
+          <a:prstGeom prst="rect">
+            <a:avLst/>
+          </a:prstGeom>
+          <a:noFill/>
+        </p:spPr>
+        <p:txBody>
+          <a:bodyPr wrap="square" rtlCol="0">
+            <a:spAutoFit/>
           </a:bodyPr>
           <a:lstStyle/>
           <a:p>
-            <a:pPr algn="ctr">
-              <a:buNone/>
-            </a:pPr>
-            <a:r>
-              <a:rPr lang="zh-CN" altLang="en-US" sz="5400" b="1" dirty="0">
-                <a:latin typeface="Microsoft JhengHei" panose="020B0604030504040204" pitchFamily="34" charset="-120"/>
-                <a:ea typeface="Microsoft JhengHei" panose="020B0604030504040204" pitchFamily="34" charset="-120"/>
+            <a:pPr algn="ctr"/>
+            <a:r>
+              <a:rPr lang="en-US" sz="4800" b="1" dirty="0">
+                <a:solidFill>
+                  <a:srgbClr val="660033"/>
+                </a:solidFill>
               </a:rPr>
-              <a:t>真有能  能  奇哉大權能</a:t>
-            </a:r>
-            <a:endParaRPr lang="en-US" altLang="zh-CN" sz="5400" b="1" dirty="0">
-              <a:latin typeface="Microsoft JhengHei" panose="020B0604030504040204" pitchFamily="34" charset="-120"/>
-              <a:ea typeface="Microsoft JhengHei" panose="020B0604030504040204" pitchFamily="34" charset="-120"/>
+              <a:t>( 1 / 4 )</a:t>
+            </a:r>
+            <a:endParaRPr lang="vi-VN" sz="4800" b="1" dirty="0">
+              <a:solidFill>
+                <a:srgbClr val="660033"/>
+              </a:solidFill>
             </a:endParaRPr>
           </a:p>
-          <a:p>
-            <a:pPr algn="ctr">
-              <a:buNone/>
-            </a:pPr>
-            <a:r>
-              <a:rPr lang="zh-CN" altLang="en-US" sz="5400" b="1" dirty="0">
-                <a:latin typeface="Microsoft JhengHei" panose="020B0604030504040204" pitchFamily="34" charset="-120"/>
-                <a:ea typeface="Microsoft JhengHei" panose="020B0604030504040204" pitchFamily="34" charset="-120"/>
-              </a:rPr>
-              <a:t>在羔羊  寶血內</a:t>
-            </a:r>
-            <a:endParaRPr lang="en-US" altLang="zh-CN" sz="5400" b="1" dirty="0">
-              <a:latin typeface="Microsoft JhengHei" panose="020B0604030504040204" pitchFamily="34" charset="-120"/>
-              <a:ea typeface="Microsoft JhengHei" panose="020B0604030504040204" pitchFamily="34" charset="-120"/>
-            </a:endParaRPr>
-          </a:p>
-          <a:p>
-            <a:pPr algn="ctr">
-              <a:buNone/>
-            </a:pPr>
-            <a:r>
-              <a:rPr lang="zh-CN" altLang="en-US" sz="5400" b="1" dirty="0">
-                <a:latin typeface="Microsoft JhengHei" panose="020B0604030504040204" pitchFamily="34" charset="-120"/>
-                <a:ea typeface="Microsoft JhengHei" panose="020B0604030504040204" pitchFamily="34" charset="-120"/>
-              </a:rPr>
-              <a:t>真有能  能  奇哉大權能</a:t>
-            </a:r>
-            <a:endParaRPr lang="en-US" altLang="zh-CN" sz="5400" b="1" dirty="0">
-              <a:latin typeface="Microsoft JhengHei" panose="020B0604030504040204" pitchFamily="34" charset="-120"/>
-              <a:ea typeface="Microsoft JhengHei" panose="020B0604030504040204" pitchFamily="34" charset="-120"/>
-            </a:endParaRPr>
-          </a:p>
-          <a:p>
-            <a:pPr algn="ctr">
-              <a:buNone/>
-            </a:pPr>
-            <a:r>
-              <a:rPr lang="zh-CN" altLang="en-US" sz="5400" b="1" dirty="0">
-                <a:latin typeface="Microsoft JhengHei" panose="020B0604030504040204" pitchFamily="34" charset="-120"/>
-                <a:ea typeface="Microsoft JhengHei" panose="020B0604030504040204" pitchFamily="34" charset="-120"/>
-              </a:rPr>
-              <a:t>顯明在羔羊寶血內</a:t>
-            </a:r>
-            <a:endParaRPr lang="en-US" sz="5400" b="1" dirty="0">
-              <a:latin typeface="Microsoft JhengHei" panose="020B0604030504040204" pitchFamily="34" charset="-120"/>
-              <a:ea typeface="Microsoft JhengHei" panose="020B0604030504040204" pitchFamily="34" charset="-120"/>
-            </a:endParaRPr>
-          </a:p>
         </p:txBody>
       </p:sp>
     </p:spTree>
+    <p:extLst>
+      <p:ext uri="{BB962C8B-B14F-4D97-AF65-F5344CB8AC3E}">
+        <p14:creationId xmlns:p14="http://schemas.microsoft.com/office/powerpoint/2010/main" val="2530054476"/>
+      </p:ext>
+    </p:extLst>
   </p:cSld>
   <p:clrMapOvr>
     <a:masterClrMapping/>
   </p:clrMapOvr>
+  <p:timing>
+    <p:tnLst>
+      <p:par>
+        <p:cTn id="1" dur="indefinite" restart="never" nodeType="tmRoot"/>
+      </p:par>
+    </p:tnLst>
+  </p:timing>
 </p:sld>
 </file>
 
@@ -3463,127 +4476,81 @@
       </p:grpSpPr>
       <p:sp>
         <p:nvSpPr>
-          <p:cNvPr id="4" name="Title 3"/>
-          <p:cNvSpPr>
-            <a:spLocks noGrp="1"/>
-          </p:cNvSpPr>
-          <p:nvPr>
-            <p:ph type="title"/>
-          </p:nvPr>
-        </p:nvSpPr>
-        <p:spPr/>
-        <p:txBody>
-          <a:bodyPr>
+          <p:cNvPr id="5" name="內容版面配置區 4"/>
+          <p:cNvSpPr>
+            <a:spLocks noGrp="1"/>
+          </p:cNvSpPr>
+          <p:nvPr>
+            <p:ph idx="1"/>
+          </p:nvPr>
+        </p:nvSpPr>
+        <p:spPr>
+          <a:xfrm>
+            <a:off x="0" y="2084851"/>
+            <a:ext cx="12192000" cy="2404863"/>
+          </a:xfrm>
+        </p:spPr>
+        <p:txBody>
+          <a:bodyPr anchor="ctr">
             <a:normAutofit/>
           </a:bodyPr>
           <a:lstStyle/>
           <a:p>
-            <a:r>
-              <a:rPr lang="zh-CN" altLang="en-US" sz="4800" b="1" dirty="0">
-                <a:latin typeface="Microsoft JhengHei" panose="020B0604030504040204" pitchFamily="34" charset="-120"/>
-                <a:ea typeface="Microsoft JhengHei" panose="020B0604030504040204" pitchFamily="34" charset="-120"/>
+            <a:pPr algn="ctr">
+              <a:buNone/>
+            </a:pPr>
+            <a:r>
+              <a:rPr lang="zh-CN" altLang="en-US" sz="6400" b="1" dirty="0">
+                <a:solidFill>
+                  <a:srgbClr val="660033"/>
+                </a:solidFill>
+                <a:latin typeface="Microsoft JhengHei" pitchFamily="34" charset="-120"/>
+                <a:ea typeface="Microsoft JhengHei" pitchFamily="34" charset="-120"/>
               </a:rPr>
-              <a:t>寶血能力</a:t>
-            </a:r>
-            <a:endParaRPr lang="en-US" sz="4800" b="1" dirty="0">
-              <a:latin typeface="Microsoft JhengHei" panose="020B0604030504040204" pitchFamily="34" charset="-120"/>
-              <a:ea typeface="Microsoft JhengHei" panose="020B0604030504040204" pitchFamily="34" charset="-120"/>
+              <a:t>你願得勝一切惡性情麼</a:t>
+            </a:r>
+            <a:endParaRPr lang="en-US" altLang="zh-CN" sz="6400" b="1" dirty="0">
+              <a:solidFill>
+                <a:srgbClr val="660033"/>
+              </a:solidFill>
+              <a:latin typeface="Microsoft JhengHei" pitchFamily="34" charset="-120"/>
+              <a:ea typeface="Microsoft JhengHei" pitchFamily="34" charset="-120"/>
             </a:endParaRPr>
           </a:p>
-        </p:txBody>
-      </p:sp>
-      <p:sp>
-        <p:nvSpPr>
-          <p:cNvPr id="5" name="Content Placeholder 4"/>
-          <p:cNvSpPr>
-            <a:spLocks noGrp="1"/>
-          </p:cNvSpPr>
-          <p:nvPr>
-            <p:ph idx="1"/>
-          </p:nvPr>
-        </p:nvSpPr>
-        <p:spPr/>
-        <p:txBody>
-          <a:bodyPr>
-            <a:normAutofit/>
-          </a:bodyPr>
-          <a:lstStyle/>
           <a:p>
             <a:pPr algn="ctr">
               <a:buNone/>
             </a:pPr>
             <a:r>
-              <a:rPr lang="zh-CN" altLang="en-US" sz="5400" b="1" dirty="0">
-                <a:latin typeface="Microsoft JhengHei" panose="020B0604030504040204" pitchFamily="34" charset="-120"/>
-                <a:ea typeface="Microsoft JhengHei" panose="020B0604030504040204" pitchFamily="34" charset="-120"/>
-              </a:rPr>
-              <a:t>你願從驕傲私慾釋放麼</a:t>
-            </a:r>
-            <a:endParaRPr lang="en-US" altLang="zh-CN" sz="5400" b="1" dirty="0">
-              <a:latin typeface="Microsoft JhengHei" panose="020B0604030504040204" pitchFamily="34" charset="-120"/>
-              <a:ea typeface="Microsoft JhengHei" panose="020B0604030504040204" pitchFamily="34" charset="-120"/>
-            </a:endParaRPr>
-          </a:p>
-          <a:p>
-            <a:pPr algn="ctr">
-              <a:buNone/>
-            </a:pPr>
-            <a:r>
-              <a:rPr lang="zh-CN" altLang="en-US" sz="5400" b="1" dirty="0">
-                <a:latin typeface="Microsoft JhengHei" panose="020B0604030504040204" pitchFamily="34" charset="-120"/>
-                <a:ea typeface="Microsoft JhengHei" panose="020B0604030504040204" pitchFamily="34" charset="-120"/>
-              </a:rPr>
-              <a:t>在主寶血內  真有能力</a:t>
-            </a:r>
-            <a:endParaRPr lang="en-US" altLang="zh-CN" sz="5400" b="1" dirty="0">
-              <a:latin typeface="Microsoft JhengHei" panose="020B0604030504040204" pitchFamily="34" charset="-120"/>
-              <a:ea typeface="Microsoft JhengHei" panose="020B0604030504040204" pitchFamily="34" charset="-120"/>
-            </a:endParaRPr>
-          </a:p>
-          <a:p>
-            <a:pPr algn="ctr">
-              <a:buNone/>
-            </a:pPr>
-            <a:r>
-              <a:rPr lang="zh-CN" altLang="en-US" sz="5400" b="1" dirty="0">
-                <a:latin typeface="Microsoft JhengHei" panose="020B0604030504040204" pitchFamily="34" charset="-120"/>
-                <a:ea typeface="Microsoft JhengHei" panose="020B0604030504040204" pitchFamily="34" charset="-120"/>
-              </a:rPr>
-              <a:t>你願在主血泉內洗淨麼</a:t>
-            </a:r>
-            <a:endParaRPr lang="en-US" altLang="zh-CN" sz="5400" b="1" dirty="0">
-              <a:latin typeface="Microsoft JhengHei" panose="020B0604030504040204" pitchFamily="34" charset="-120"/>
-              <a:ea typeface="Microsoft JhengHei" panose="020B0604030504040204" pitchFamily="34" charset="-120"/>
-            </a:endParaRPr>
-          </a:p>
-          <a:p>
-            <a:pPr algn="ctr">
-              <a:buNone/>
-            </a:pPr>
-            <a:r>
-              <a:rPr lang="zh-CN" altLang="en-US" sz="5400" b="1" dirty="0">
-                <a:latin typeface="Microsoft JhengHei" panose="020B0604030504040204" pitchFamily="34" charset="-120"/>
-                <a:ea typeface="Microsoft JhengHei" panose="020B0604030504040204" pitchFamily="34" charset="-120"/>
+              <a:rPr lang="zh-CN" altLang="en-US" sz="6400" b="1" dirty="0">
+                <a:solidFill>
+                  <a:srgbClr val="660033"/>
+                </a:solidFill>
+                <a:latin typeface="Microsoft JhengHei" pitchFamily="34" charset="-120"/>
+                <a:ea typeface="Microsoft JhengHei" pitchFamily="34" charset="-120"/>
               </a:rPr>
               <a:t>耶穌寶血內有能力</a:t>
             </a:r>
-            <a:endParaRPr lang="en-US" sz="5400" b="1" dirty="0">
-              <a:latin typeface="Microsoft JhengHei" panose="020B0604030504040204" pitchFamily="34" charset="-120"/>
-              <a:ea typeface="Microsoft JhengHei" panose="020B0604030504040204" pitchFamily="34" charset="-120"/>
+            <a:endParaRPr lang="en-US" sz="6400" b="1" dirty="0">
+              <a:solidFill>
+                <a:srgbClr val="660033"/>
+              </a:solidFill>
+              <a:latin typeface="Microsoft JhengHei" pitchFamily="34" charset="-120"/>
+              <a:ea typeface="Microsoft JhengHei" pitchFamily="34" charset="-120"/>
             </a:endParaRPr>
           </a:p>
         </p:txBody>
       </p:sp>
       <p:sp>
         <p:nvSpPr>
-          <p:cNvPr id="6" name="TextBox 5"/>
+          <p:cNvPr id="3" name="TextBox 2"/>
           <p:cNvSpPr txBox="1"/>
           <p:nvPr/>
         </p:nvSpPr>
         <p:spPr>
           <a:xfrm>
-            <a:off x="1143000" y="1600202"/>
-            <a:ext cx="990600" cy="1015663"/>
+            <a:off x="0" y="5061182"/>
+            <a:ext cx="12192000" cy="830997"/>
           </a:xfrm>
           <a:prstGeom prst="rect">
             <a:avLst/>
@@ -3596,23 +4563,40 @@
           </a:bodyPr>
           <a:lstStyle/>
           <a:p>
-            <a:r>
-              <a:rPr lang="en-US" sz="6000" b="1" dirty="0"/>
-              <a:t>2</a:t>
-            </a:r>
-            <a:r>
-              <a:rPr lang="en-US" sz="6000" b="1" dirty="0" smtClean="0"/>
-              <a:t>.</a:t>
-            </a:r>
-            <a:endParaRPr lang="vi-VN" sz="6000" b="1" dirty="0"/>
+            <a:pPr algn="ctr"/>
+            <a:r>
+              <a:rPr lang="en-US" sz="4800" b="1" dirty="0">
+                <a:solidFill>
+                  <a:srgbClr val="660033"/>
+                </a:solidFill>
+              </a:rPr>
+              <a:t>( 1 / 4 )</a:t>
+            </a:r>
+            <a:endParaRPr lang="vi-VN" sz="4800" b="1" dirty="0">
+              <a:solidFill>
+                <a:srgbClr val="660033"/>
+              </a:solidFill>
+            </a:endParaRPr>
           </a:p>
         </p:txBody>
       </p:sp>
     </p:spTree>
+    <p:extLst>
+      <p:ext uri="{BB962C8B-B14F-4D97-AF65-F5344CB8AC3E}">
+        <p14:creationId xmlns:p14="http://schemas.microsoft.com/office/powerpoint/2010/main" val="1286462947"/>
+      </p:ext>
+    </p:extLst>
   </p:cSld>
   <p:clrMapOvr>
     <a:masterClrMapping/>
   </p:clrMapOvr>
+  <p:timing>
+    <p:tnLst>
+      <p:par>
+        <p:cTn id="1" dur="indefinite" restart="never" nodeType="tmRoot"/>
+      </p:par>
+    </p:tnLst>
+  </p:timing>
 </p:sld>
 </file>
 
@@ -3635,65 +4619,45 @@
       </p:grpSpPr>
       <p:sp>
         <p:nvSpPr>
-          <p:cNvPr id="4" name="Title 3"/>
-          <p:cNvSpPr>
-            <a:spLocks noGrp="1"/>
-          </p:cNvSpPr>
-          <p:nvPr>
-            <p:ph type="title"/>
-          </p:nvPr>
-        </p:nvSpPr>
-        <p:spPr/>
-        <p:txBody>
-          <a:bodyPr>
+          <p:cNvPr id="5" name="內容版面配置區 4"/>
+          <p:cNvSpPr>
+            <a:spLocks noGrp="1"/>
+          </p:cNvSpPr>
+          <p:nvPr>
+            <p:ph idx="1"/>
+          </p:nvPr>
+        </p:nvSpPr>
+        <p:spPr>
+          <a:xfrm>
+            <a:off x="0" y="2084851"/>
+            <a:ext cx="12192000" cy="2404863"/>
+          </a:xfrm>
+        </p:spPr>
+        <p:txBody>
+          <a:bodyPr anchor="ctr">
             <a:normAutofit/>
           </a:bodyPr>
           <a:lstStyle/>
           <a:p>
-            <a:r>
-              <a:rPr lang="zh-CN" altLang="en-US" sz="4800" b="1" dirty="0">
-                <a:latin typeface="Microsoft JhengHei" panose="020B0604030504040204" pitchFamily="34" charset="-120"/>
-                <a:ea typeface="Microsoft JhengHei" panose="020B0604030504040204" pitchFamily="34" charset="-120"/>
-              </a:rPr>
-              <a:t>寶血能力</a:t>
-            </a:r>
-            <a:endParaRPr lang="en-US" sz="4800" b="1" dirty="0">
-              <a:latin typeface="Microsoft JhengHei" panose="020B0604030504040204" pitchFamily="34" charset="-120"/>
-              <a:ea typeface="Microsoft JhengHei" panose="020B0604030504040204" pitchFamily="34" charset="-120"/>
-            </a:endParaRPr>
-          </a:p>
-        </p:txBody>
-      </p:sp>
-      <p:sp>
-        <p:nvSpPr>
-          <p:cNvPr id="5" name="Content Placeholder 4"/>
-          <p:cNvSpPr>
-            <a:spLocks noGrp="1"/>
-          </p:cNvSpPr>
-          <p:nvPr>
-            <p:ph idx="1"/>
-          </p:nvPr>
-        </p:nvSpPr>
-        <p:spPr/>
-        <p:txBody>
-          <a:bodyPr>
-            <a:normAutofit/>
-          </a:bodyPr>
-          <a:lstStyle/>
-          <a:p>
             <a:pPr algn="ctr">
               <a:buNone/>
             </a:pPr>
             <a:r>
-              <a:rPr lang="zh-CN" altLang="en-US" sz="5400" b="1" dirty="0">
-                <a:latin typeface="Microsoft JhengHei" panose="020B0604030504040204" pitchFamily="34" charset="-120"/>
-                <a:ea typeface="Microsoft JhengHei" panose="020B0604030504040204" pitchFamily="34" charset="-120"/>
+              <a:rPr lang="zh-CN" altLang="en-US" sz="6400" b="1" dirty="0">
+                <a:solidFill>
+                  <a:srgbClr val="660033"/>
+                </a:solidFill>
+                <a:latin typeface="Microsoft JhengHei" pitchFamily="34" charset="-120"/>
+                <a:ea typeface="Microsoft JhengHei" pitchFamily="34" charset="-120"/>
               </a:rPr>
               <a:t>真有能  能  奇哉大權能</a:t>
             </a:r>
-            <a:endParaRPr lang="en-US" altLang="zh-CN" sz="5400" b="1" dirty="0">
-              <a:latin typeface="Microsoft JhengHei" panose="020B0604030504040204" pitchFamily="34" charset="-120"/>
-              <a:ea typeface="Microsoft JhengHei" panose="020B0604030504040204" pitchFamily="34" charset="-120"/>
+            <a:endParaRPr lang="en-US" altLang="zh-CN" sz="6400" b="1" dirty="0">
+              <a:solidFill>
+                <a:srgbClr val="660033"/>
+              </a:solidFill>
+              <a:latin typeface="Microsoft JhengHei" pitchFamily="34" charset="-120"/>
+              <a:ea typeface="Microsoft JhengHei" pitchFamily="34" charset="-120"/>
             </a:endParaRPr>
           </a:p>
           <a:p>
@@ -3701,47 +4665,21 @@
               <a:buNone/>
             </a:pPr>
             <a:r>
-              <a:rPr lang="zh-CN" altLang="en-US" sz="5400" b="1" dirty="0">
-                <a:latin typeface="Microsoft JhengHei" panose="020B0604030504040204" pitchFamily="34" charset="-120"/>
-                <a:ea typeface="Microsoft JhengHei" panose="020B0604030504040204" pitchFamily="34" charset="-120"/>
+              <a:rPr lang="zh-CN" altLang="en-US" sz="6400" b="1" dirty="0">
+                <a:solidFill>
+                  <a:srgbClr val="660033"/>
+                </a:solidFill>
+                <a:latin typeface="Microsoft JhengHei" pitchFamily="34" charset="-120"/>
+                <a:ea typeface="Microsoft JhengHei" pitchFamily="34" charset="-120"/>
               </a:rPr>
               <a:t>在羔羊  寶血內</a:t>
             </a:r>
-            <a:endParaRPr lang="en-US" altLang="zh-CN" sz="5400" b="1" dirty="0">
-              <a:latin typeface="Microsoft JhengHei" panose="020B0604030504040204" pitchFamily="34" charset="-120"/>
-              <a:ea typeface="Microsoft JhengHei" panose="020B0604030504040204" pitchFamily="34" charset="-120"/>
-            </a:endParaRPr>
-          </a:p>
-          <a:p>
-            <a:pPr algn="ctr">
-              <a:buNone/>
-            </a:pPr>
-            <a:r>
-              <a:rPr lang="zh-CN" altLang="en-US" sz="5400" b="1" dirty="0">
-                <a:latin typeface="Microsoft JhengHei" panose="020B0604030504040204" pitchFamily="34" charset="-120"/>
-                <a:ea typeface="Microsoft JhengHei" panose="020B0604030504040204" pitchFamily="34" charset="-120"/>
-              </a:rPr>
-              <a:t>真有能  能  奇哉大權能</a:t>
-            </a:r>
-            <a:endParaRPr lang="en-US" altLang="zh-CN" sz="5400" b="1" dirty="0">
-              <a:latin typeface="Microsoft JhengHei" panose="020B0604030504040204" pitchFamily="34" charset="-120"/>
-              <a:ea typeface="Microsoft JhengHei" panose="020B0604030504040204" pitchFamily="34" charset="-120"/>
-            </a:endParaRPr>
-          </a:p>
-          <a:p>
-            <a:pPr algn="ctr">
-              <a:buNone/>
-            </a:pPr>
-            <a:r>
-              <a:rPr lang="zh-CN" altLang="en-US" sz="5400" b="1" dirty="0">
-                <a:latin typeface="Microsoft JhengHei" panose="020B0604030504040204" pitchFamily="34" charset="-120"/>
-                <a:ea typeface="Microsoft JhengHei" panose="020B0604030504040204" pitchFamily="34" charset="-120"/>
-              </a:rPr>
-              <a:t>顯明在羔羊寶血內</a:t>
-            </a:r>
-            <a:endParaRPr lang="en-US" sz="5400" b="1" dirty="0">
-              <a:latin typeface="Microsoft JhengHei" panose="020B0604030504040204" pitchFamily="34" charset="-120"/>
-              <a:ea typeface="Microsoft JhengHei" panose="020B0604030504040204" pitchFamily="34" charset="-120"/>
+            <a:endParaRPr lang="en-US" altLang="zh-CN" sz="6400" b="1" dirty="0">
+              <a:solidFill>
+                <a:srgbClr val="660033"/>
+              </a:solidFill>
+              <a:latin typeface="Microsoft JhengHei" pitchFamily="34" charset="-120"/>
+              <a:ea typeface="Microsoft JhengHei" pitchFamily="34" charset="-120"/>
             </a:endParaRPr>
           </a:p>
         </p:txBody>
@@ -3749,13 +4687,20 @@
     </p:spTree>
     <p:extLst>
       <p:ext uri="{BB962C8B-B14F-4D97-AF65-F5344CB8AC3E}">
-        <p14:creationId xmlns:p14="http://schemas.microsoft.com/office/powerpoint/2010/main" val="1258105298"/>
+        <p14:creationId xmlns:p14="http://schemas.microsoft.com/office/powerpoint/2010/main" val="2874587906"/>
       </p:ext>
     </p:extLst>
   </p:cSld>
   <p:clrMapOvr>
     <a:masterClrMapping/>
   </p:clrMapOvr>
+  <p:timing>
+    <p:tnLst>
+      <p:par>
+        <p:cTn id="1" dur="indefinite" restart="never" nodeType="tmRoot"/>
+      </p:par>
+    </p:tnLst>
+  </p:timing>
 </p:sld>
 </file>
 
@@ -3778,156 +4723,88 @@
       </p:grpSpPr>
       <p:sp>
         <p:nvSpPr>
-          <p:cNvPr id="4" name="Title 3"/>
-          <p:cNvSpPr>
-            <a:spLocks noGrp="1"/>
-          </p:cNvSpPr>
-          <p:nvPr>
-            <p:ph type="title"/>
-          </p:nvPr>
-        </p:nvSpPr>
-        <p:spPr/>
-        <p:txBody>
-          <a:bodyPr>
+          <p:cNvPr id="5" name="內容版面配置區 4"/>
+          <p:cNvSpPr>
+            <a:spLocks noGrp="1"/>
+          </p:cNvSpPr>
+          <p:nvPr>
+            <p:ph idx="1"/>
+          </p:nvPr>
+        </p:nvSpPr>
+        <p:spPr>
+          <a:xfrm>
+            <a:off x="0" y="2084851"/>
+            <a:ext cx="12192000" cy="2404863"/>
+          </a:xfrm>
+        </p:spPr>
+        <p:txBody>
+          <a:bodyPr anchor="ctr">
             <a:normAutofit/>
           </a:bodyPr>
           <a:lstStyle/>
           <a:p>
-            <a:r>
-              <a:rPr lang="zh-CN" altLang="en-US" sz="4800" b="1" dirty="0">
-                <a:latin typeface="Microsoft JhengHei" panose="020B0604030504040204" pitchFamily="34" charset="-120"/>
-                <a:ea typeface="Microsoft JhengHei" panose="020B0604030504040204" pitchFamily="34" charset="-120"/>
+            <a:pPr algn="ctr">
+              <a:buNone/>
+            </a:pPr>
+            <a:r>
+              <a:rPr lang="zh-CN" altLang="en-US" sz="6400" b="1" dirty="0">
+                <a:solidFill>
+                  <a:srgbClr val="660033"/>
+                </a:solidFill>
+                <a:latin typeface="Microsoft JhengHei" pitchFamily="34" charset="-120"/>
+                <a:ea typeface="Microsoft JhengHei" pitchFamily="34" charset="-120"/>
               </a:rPr>
-              <a:t>寶血能力</a:t>
-            </a:r>
-            <a:endParaRPr lang="en-US" sz="4800" b="1" dirty="0">
-              <a:latin typeface="Microsoft JhengHei" panose="020B0604030504040204" pitchFamily="34" charset="-120"/>
-              <a:ea typeface="Microsoft JhengHei" panose="020B0604030504040204" pitchFamily="34" charset="-120"/>
+              <a:t>真有能  能  奇哉大權能</a:t>
+            </a:r>
+            <a:endParaRPr lang="en-US" altLang="zh-CN" sz="6400" b="1" dirty="0">
+              <a:solidFill>
+                <a:srgbClr val="660033"/>
+              </a:solidFill>
+              <a:latin typeface="Microsoft JhengHei" pitchFamily="34" charset="-120"/>
+              <a:ea typeface="Microsoft JhengHei" pitchFamily="34" charset="-120"/>
             </a:endParaRPr>
           </a:p>
-        </p:txBody>
-      </p:sp>
-      <p:sp>
-        <p:nvSpPr>
-          <p:cNvPr id="5" name="Content Placeholder 4"/>
-          <p:cNvSpPr>
-            <a:spLocks noGrp="1"/>
-          </p:cNvSpPr>
-          <p:nvPr>
-            <p:ph idx="1"/>
-          </p:nvPr>
-        </p:nvSpPr>
-        <p:spPr/>
-        <p:txBody>
-          <a:bodyPr>
-            <a:normAutofit/>
-          </a:bodyPr>
-          <a:lstStyle/>
           <a:p>
             <a:pPr algn="ctr">
               <a:buNone/>
             </a:pPr>
             <a:r>
-              <a:rPr lang="zh-CN" altLang="en-US" sz="5400" b="1" dirty="0">
-                <a:latin typeface="Microsoft JhengHei" panose="020B0604030504040204" pitchFamily="34" charset="-120"/>
-                <a:ea typeface="Microsoft JhengHei" panose="020B0604030504040204" pitchFamily="34" charset="-120"/>
+              <a:rPr lang="zh-CN" altLang="en-US" sz="6400" b="1" dirty="0">
+                <a:solidFill>
+                  <a:srgbClr val="660033"/>
+                </a:solidFill>
+                <a:latin typeface="Microsoft JhengHei" pitchFamily="34" charset="-120"/>
+                <a:ea typeface="Microsoft JhengHei" pitchFamily="34" charset="-120"/>
               </a:rPr>
-              <a:t>你願潔淨比較雪還白麼</a:t>
-            </a:r>
-            <a:endParaRPr lang="en-US" altLang="zh-CN" sz="5400" b="1" dirty="0">
-              <a:latin typeface="Microsoft JhengHei" panose="020B0604030504040204" pitchFamily="34" charset="-120"/>
-              <a:ea typeface="Microsoft JhengHei" panose="020B0604030504040204" pitchFamily="34" charset="-120"/>
+              <a:t>顯明在羔羊寶血內</a:t>
+            </a:r>
+            <a:endParaRPr lang="en-US" sz="6400" b="1" dirty="0">
+              <a:solidFill>
+                <a:srgbClr val="660033"/>
+              </a:solidFill>
+              <a:latin typeface="Microsoft JhengHei" pitchFamily="34" charset="-120"/>
+              <a:ea typeface="Microsoft JhengHei" pitchFamily="34" charset="-120"/>
             </a:endParaRPr>
           </a:p>
-          <a:p>
-            <a:pPr algn="ctr">
-              <a:buNone/>
-            </a:pPr>
-            <a:r>
-              <a:rPr lang="zh-CN" altLang="en-US" sz="5400" b="1" dirty="0">
-                <a:latin typeface="Microsoft JhengHei" panose="020B0604030504040204" pitchFamily="34" charset="-120"/>
-                <a:ea typeface="Microsoft JhengHei" panose="020B0604030504040204" pitchFamily="34" charset="-120"/>
-              </a:rPr>
-              <a:t>在主寶血內  真有能力</a:t>
-            </a:r>
-            <a:endParaRPr lang="en-US" altLang="zh-CN" sz="5400" b="1" dirty="0">
-              <a:latin typeface="Microsoft JhengHei" panose="020B0604030504040204" pitchFamily="34" charset="-120"/>
-              <a:ea typeface="Microsoft JhengHei" panose="020B0604030504040204" pitchFamily="34" charset="-120"/>
-            </a:endParaRPr>
-          </a:p>
-          <a:p>
-            <a:pPr algn="ctr">
-              <a:buNone/>
-            </a:pPr>
-            <a:r>
-              <a:rPr lang="zh-CN" altLang="en-US" sz="5400" b="1" dirty="0">
-                <a:latin typeface="Microsoft JhengHei" panose="020B0604030504040204" pitchFamily="34" charset="-120"/>
-                <a:ea typeface="Microsoft JhengHei" panose="020B0604030504040204" pitchFamily="34" charset="-120"/>
-              </a:rPr>
-              <a:t>你願在生命泉洗淨罪麼</a:t>
-            </a:r>
-            <a:endParaRPr lang="en-US" altLang="zh-CN" sz="5400" b="1" dirty="0">
-              <a:latin typeface="Microsoft JhengHei" panose="020B0604030504040204" pitchFamily="34" charset="-120"/>
-              <a:ea typeface="Microsoft JhengHei" panose="020B0604030504040204" pitchFamily="34" charset="-120"/>
-            </a:endParaRPr>
-          </a:p>
-          <a:p>
-            <a:pPr algn="ctr">
-              <a:buNone/>
-            </a:pPr>
-            <a:r>
-              <a:rPr lang="zh-CN" altLang="en-US" sz="5400" b="1" dirty="0">
-                <a:latin typeface="Microsoft JhengHei" panose="020B0604030504040204" pitchFamily="34" charset="-120"/>
-                <a:ea typeface="Microsoft JhengHei" panose="020B0604030504040204" pitchFamily="34" charset="-120"/>
-              </a:rPr>
-              <a:t>耶穌寶血內有能力</a:t>
-            </a:r>
-            <a:endParaRPr lang="en-US" sz="5400" b="1" dirty="0">
-              <a:latin typeface="Microsoft JhengHei" panose="020B0604030504040204" pitchFamily="34" charset="-120"/>
-              <a:ea typeface="Microsoft JhengHei" panose="020B0604030504040204" pitchFamily="34" charset="-120"/>
-            </a:endParaRPr>
-          </a:p>
-        </p:txBody>
-      </p:sp>
-      <p:sp>
-        <p:nvSpPr>
-          <p:cNvPr id="6" name="TextBox 5"/>
-          <p:cNvSpPr txBox="1"/>
-          <p:nvPr/>
-        </p:nvSpPr>
-        <p:spPr>
-          <a:xfrm>
-            <a:off x="1143000" y="1600202"/>
-            <a:ext cx="990600" cy="1015663"/>
-          </a:xfrm>
-          <a:prstGeom prst="rect">
-            <a:avLst/>
-          </a:prstGeom>
-          <a:noFill/>
-        </p:spPr>
-        <p:txBody>
-          <a:bodyPr wrap="square" rtlCol="0">
-            <a:spAutoFit/>
-          </a:bodyPr>
-          <a:lstStyle/>
-          <a:p>
-            <a:r>
-              <a:rPr lang="en-US" sz="6000" b="1" dirty="0"/>
-              <a:t>3</a:t>
-            </a:r>
-            <a:r>
-              <a:rPr lang="en-US" sz="6000" b="1" dirty="0" smtClean="0"/>
-              <a:t>.</a:t>
-            </a:r>
-            <a:endParaRPr lang="vi-VN" sz="6000" b="1" dirty="0"/>
-          </a:p>
         </p:txBody>
       </p:sp>
     </p:spTree>
+    <p:extLst>
+      <p:ext uri="{BB962C8B-B14F-4D97-AF65-F5344CB8AC3E}">
+        <p14:creationId xmlns:p14="http://schemas.microsoft.com/office/powerpoint/2010/main" val="751917905"/>
+      </p:ext>
+    </p:extLst>
   </p:cSld>
   <p:clrMapOvr>
     <a:masterClrMapping/>
   </p:clrMapOvr>
+  <p:timing>
+    <p:tnLst>
+      <p:par>
+        <p:cTn id="1" dur="indefinite" restart="never" nodeType="tmRoot"/>
+      </p:par>
+    </p:tnLst>
+  </p:timing>
 </p:sld>
 </file>
 
@@ -3950,113 +4827,106 @@
       </p:grpSpPr>
       <p:sp>
         <p:nvSpPr>
-          <p:cNvPr id="4" name="Title 3"/>
-          <p:cNvSpPr>
-            <a:spLocks noGrp="1"/>
-          </p:cNvSpPr>
-          <p:nvPr>
-            <p:ph type="title"/>
-          </p:nvPr>
-        </p:nvSpPr>
-        <p:spPr/>
-        <p:txBody>
-          <a:bodyPr>
+          <p:cNvPr id="5" name="內容版面配置區 4"/>
+          <p:cNvSpPr>
+            <a:spLocks noGrp="1"/>
+          </p:cNvSpPr>
+          <p:nvPr>
+            <p:ph idx="1"/>
+          </p:nvPr>
+        </p:nvSpPr>
+        <p:spPr>
+          <a:xfrm>
+            <a:off x="0" y="2084851"/>
+            <a:ext cx="12192000" cy="2404863"/>
+          </a:xfrm>
+        </p:spPr>
+        <p:txBody>
+          <a:bodyPr anchor="ctr">
             <a:normAutofit/>
           </a:bodyPr>
           <a:lstStyle/>
           <a:p>
-            <a:r>
-              <a:rPr lang="zh-CN" altLang="en-US" sz="4800" b="1" dirty="0">
-                <a:latin typeface="Microsoft JhengHei" panose="020B0604030504040204" pitchFamily="34" charset="-120"/>
-                <a:ea typeface="Microsoft JhengHei" panose="020B0604030504040204" pitchFamily="34" charset="-120"/>
+            <a:pPr algn="ctr">
+              <a:buNone/>
+            </a:pPr>
+            <a:r>
+              <a:rPr lang="zh-CN" altLang="en-US" sz="6400" b="1" dirty="0">
+                <a:solidFill>
+                  <a:srgbClr val="660033"/>
+                </a:solidFill>
+                <a:latin typeface="Microsoft JhengHei" pitchFamily="34" charset="-120"/>
+                <a:ea typeface="Microsoft JhengHei" pitchFamily="34" charset="-120"/>
               </a:rPr>
-              <a:t>寶血能力</a:t>
-            </a:r>
-            <a:endParaRPr lang="en-US" sz="4800" b="1" dirty="0">
-              <a:latin typeface="Microsoft JhengHei" panose="020B0604030504040204" pitchFamily="34" charset="-120"/>
-              <a:ea typeface="Microsoft JhengHei" panose="020B0604030504040204" pitchFamily="34" charset="-120"/>
+              <a:t>你願從驕傲私慾釋放麼</a:t>
+            </a:r>
+            <a:endParaRPr lang="en-US" altLang="zh-CN" sz="6400" b="1" dirty="0">
+              <a:solidFill>
+                <a:srgbClr val="660033"/>
+              </a:solidFill>
+              <a:latin typeface="Microsoft JhengHei" pitchFamily="34" charset="-120"/>
+              <a:ea typeface="Microsoft JhengHei" pitchFamily="34" charset="-120"/>
             </a:endParaRPr>
           </a:p>
-        </p:txBody>
-      </p:sp>
-      <p:sp>
-        <p:nvSpPr>
-          <p:cNvPr id="5" name="Content Placeholder 4"/>
-          <p:cNvSpPr>
-            <a:spLocks noGrp="1"/>
-          </p:cNvSpPr>
-          <p:nvPr>
-            <p:ph idx="1"/>
-          </p:nvPr>
-        </p:nvSpPr>
-        <p:spPr/>
-        <p:txBody>
-          <a:bodyPr>
-            <a:normAutofit/>
+          <a:p>
+            <a:pPr algn="ctr">
+              <a:buNone/>
+            </a:pPr>
+            <a:r>
+              <a:rPr lang="zh-CN" altLang="en-US" sz="6400" b="1" dirty="0">
+                <a:solidFill>
+                  <a:srgbClr val="660033"/>
+                </a:solidFill>
+                <a:latin typeface="Microsoft JhengHei" pitchFamily="34" charset="-120"/>
+                <a:ea typeface="Microsoft JhengHei" pitchFamily="34" charset="-120"/>
+              </a:rPr>
+              <a:t>在主寶血內  真有能力</a:t>
+            </a:r>
+            <a:endParaRPr lang="en-US" altLang="zh-CN" sz="6400" b="1" dirty="0">
+              <a:solidFill>
+                <a:srgbClr val="660033"/>
+              </a:solidFill>
+              <a:latin typeface="Microsoft JhengHei" pitchFamily="34" charset="-120"/>
+              <a:ea typeface="Microsoft JhengHei" pitchFamily="34" charset="-120"/>
+            </a:endParaRPr>
+          </a:p>
+        </p:txBody>
+      </p:sp>
+      <p:sp>
+        <p:nvSpPr>
+          <p:cNvPr id="3" name="TextBox 2"/>
+          <p:cNvSpPr txBox="1"/>
+          <p:nvPr/>
+        </p:nvSpPr>
+        <p:spPr>
+          <a:xfrm>
+            <a:off x="0" y="5061182"/>
+            <a:ext cx="12192000" cy="830997"/>
+          </a:xfrm>
+          <a:prstGeom prst="rect">
+            <a:avLst/>
+          </a:prstGeom>
+          <a:noFill/>
+        </p:spPr>
+        <p:txBody>
+          <a:bodyPr wrap="square" rtlCol="0">
+            <a:spAutoFit/>
           </a:bodyPr>
           <a:lstStyle/>
           <a:p>
-            <a:pPr algn="ctr">
-              <a:buNone/>
-            </a:pPr>
-            <a:r>
-              <a:rPr lang="zh-CN" altLang="en-US" sz="5400" b="1" dirty="0">
-                <a:latin typeface="Microsoft JhengHei" panose="020B0604030504040204" pitchFamily="34" charset="-120"/>
-                <a:ea typeface="Microsoft JhengHei" panose="020B0604030504040204" pitchFamily="34" charset="-120"/>
+            <a:pPr algn="ctr"/>
+            <a:r>
+              <a:rPr lang="en-US" sz="4800" b="1" dirty="0">
+                <a:solidFill>
+                  <a:srgbClr val="660033"/>
+                </a:solidFill>
               </a:rPr>
-              <a:t>真有能  能  奇哉大權能</a:t>
-            </a:r>
-            <a:endParaRPr lang="en-US" altLang="zh-CN" sz="5400" b="1" dirty="0">
-              <a:latin typeface="Microsoft JhengHei" panose="020B0604030504040204" pitchFamily="34" charset="-120"/>
-              <a:ea typeface="Microsoft JhengHei" panose="020B0604030504040204" pitchFamily="34" charset="-120"/>
-            </a:endParaRPr>
-          </a:p>
-          <a:p>
-            <a:pPr algn="ctr">
-              <a:buNone/>
-            </a:pPr>
-            <a:r>
-              <a:rPr lang="zh-CN" altLang="en-US" sz="5400" b="1" dirty="0">
-                <a:latin typeface="Microsoft JhengHei" panose="020B0604030504040204" pitchFamily="34" charset="-120"/>
-                <a:ea typeface="Microsoft JhengHei" panose="020B0604030504040204" pitchFamily="34" charset="-120"/>
-              </a:rPr>
-              <a:t>在羔羊  寶血內</a:t>
-            </a:r>
-            <a:endParaRPr lang="en-US" altLang="zh-CN" sz="5400" b="1" dirty="0">
-              <a:latin typeface="Microsoft JhengHei" panose="020B0604030504040204" pitchFamily="34" charset="-120"/>
-              <a:ea typeface="Microsoft JhengHei" panose="020B0604030504040204" pitchFamily="34" charset="-120"/>
-            </a:endParaRPr>
-          </a:p>
-          <a:p>
-            <a:pPr algn="ctr">
-              <a:buNone/>
-            </a:pPr>
-            <a:r>
-              <a:rPr lang="zh-CN" altLang="en-US" sz="5400" b="1" dirty="0">
-                <a:latin typeface="Microsoft JhengHei" panose="020B0604030504040204" pitchFamily="34" charset="-120"/>
-                <a:ea typeface="Microsoft JhengHei" panose="020B0604030504040204" pitchFamily="34" charset="-120"/>
-              </a:rPr>
-              <a:t>真有能  能  奇哉大權能</a:t>
-            </a:r>
-            <a:endParaRPr lang="en-US" altLang="zh-CN" sz="5400" b="1" dirty="0">
-              <a:latin typeface="Microsoft JhengHei" panose="020B0604030504040204" pitchFamily="34" charset="-120"/>
-              <a:ea typeface="Microsoft JhengHei" panose="020B0604030504040204" pitchFamily="34" charset="-120"/>
-            </a:endParaRPr>
-          </a:p>
-          <a:p>
-            <a:pPr algn="ctr">
-              <a:buNone/>
-            </a:pPr>
-            <a:r>
-              <a:rPr lang="zh-CN" altLang="en-US" sz="5400" b="1" dirty="0">
-                <a:latin typeface="Microsoft JhengHei" panose="020B0604030504040204" pitchFamily="34" charset="-120"/>
-                <a:ea typeface="Microsoft JhengHei" panose="020B0604030504040204" pitchFamily="34" charset="-120"/>
-              </a:rPr>
-              <a:t>顯明在羔羊寶血內</a:t>
-            </a:r>
-            <a:endParaRPr lang="en-US" sz="5400" b="1" dirty="0">
-              <a:latin typeface="Microsoft JhengHei" panose="020B0604030504040204" pitchFamily="34" charset="-120"/>
-              <a:ea typeface="Microsoft JhengHei" panose="020B0604030504040204" pitchFamily="34" charset="-120"/>
+              <a:t>( 2 / 4 )</a:t>
+            </a:r>
+            <a:endParaRPr lang="vi-VN" sz="4800" b="1" dirty="0">
+              <a:solidFill>
+                <a:srgbClr val="660033"/>
+              </a:solidFill>
             </a:endParaRPr>
           </a:p>
         </p:txBody>
@@ -4064,13 +4934,20 @@
     </p:spTree>
     <p:extLst>
       <p:ext uri="{BB962C8B-B14F-4D97-AF65-F5344CB8AC3E}">
-        <p14:creationId xmlns:p14="http://schemas.microsoft.com/office/powerpoint/2010/main" val="4088492875"/>
+        <p14:creationId xmlns:p14="http://schemas.microsoft.com/office/powerpoint/2010/main" val="1498655992"/>
       </p:ext>
     </p:extLst>
   </p:cSld>
   <p:clrMapOvr>
     <a:masterClrMapping/>
   </p:clrMapOvr>
+  <p:timing>
+    <p:tnLst>
+      <p:par>
+        <p:cTn id="1" dur="indefinite" restart="never" nodeType="tmRoot"/>
+      </p:par>
+    </p:tnLst>
+  </p:timing>
 </p:sld>
 </file>
 
@@ -4093,127 +4970,81 @@
       </p:grpSpPr>
       <p:sp>
         <p:nvSpPr>
-          <p:cNvPr id="4" name="Title 3"/>
-          <p:cNvSpPr>
-            <a:spLocks noGrp="1"/>
-          </p:cNvSpPr>
-          <p:nvPr>
-            <p:ph type="title"/>
-          </p:nvPr>
-        </p:nvSpPr>
-        <p:spPr/>
-        <p:txBody>
-          <a:bodyPr>
+          <p:cNvPr id="5" name="內容版面配置區 4"/>
+          <p:cNvSpPr>
+            <a:spLocks noGrp="1"/>
+          </p:cNvSpPr>
+          <p:nvPr>
+            <p:ph idx="1"/>
+          </p:nvPr>
+        </p:nvSpPr>
+        <p:spPr>
+          <a:xfrm>
+            <a:off x="0" y="2084851"/>
+            <a:ext cx="12192000" cy="2404863"/>
+          </a:xfrm>
+        </p:spPr>
+        <p:txBody>
+          <a:bodyPr anchor="ctr">
             <a:normAutofit/>
           </a:bodyPr>
           <a:lstStyle/>
           <a:p>
-            <a:r>
-              <a:rPr lang="zh-CN" altLang="en-US" sz="4800" b="1" dirty="0">
-                <a:latin typeface="Microsoft JhengHei" panose="020B0604030504040204" pitchFamily="34" charset="-120"/>
-                <a:ea typeface="Microsoft JhengHei" panose="020B0604030504040204" pitchFamily="34" charset="-120"/>
+            <a:pPr algn="ctr">
+              <a:buNone/>
+            </a:pPr>
+            <a:r>
+              <a:rPr lang="zh-CN" altLang="en-US" sz="6400" b="1" dirty="0">
+                <a:solidFill>
+                  <a:srgbClr val="660033"/>
+                </a:solidFill>
+                <a:latin typeface="Microsoft JhengHei" pitchFamily="34" charset="-120"/>
+                <a:ea typeface="Microsoft JhengHei" pitchFamily="34" charset="-120"/>
               </a:rPr>
-              <a:t>寶血能力</a:t>
-            </a:r>
-            <a:endParaRPr lang="en-US" sz="4800" b="1" dirty="0">
-              <a:latin typeface="Microsoft JhengHei" panose="020B0604030504040204" pitchFamily="34" charset="-120"/>
-              <a:ea typeface="Microsoft JhengHei" panose="020B0604030504040204" pitchFamily="34" charset="-120"/>
+              <a:t>你願在主血泉內洗淨麼</a:t>
+            </a:r>
+            <a:endParaRPr lang="en-US" altLang="zh-CN" sz="6400" b="1" dirty="0">
+              <a:solidFill>
+                <a:srgbClr val="660033"/>
+              </a:solidFill>
+              <a:latin typeface="Microsoft JhengHei" pitchFamily="34" charset="-120"/>
+              <a:ea typeface="Microsoft JhengHei" pitchFamily="34" charset="-120"/>
             </a:endParaRPr>
           </a:p>
-        </p:txBody>
-      </p:sp>
-      <p:sp>
-        <p:nvSpPr>
-          <p:cNvPr id="5" name="Content Placeholder 4"/>
-          <p:cNvSpPr>
-            <a:spLocks noGrp="1"/>
-          </p:cNvSpPr>
-          <p:nvPr>
-            <p:ph idx="1"/>
-          </p:nvPr>
-        </p:nvSpPr>
-        <p:spPr/>
-        <p:txBody>
-          <a:bodyPr>
-            <a:normAutofit/>
-          </a:bodyPr>
-          <a:lstStyle/>
           <a:p>
             <a:pPr algn="ctr">
               <a:buNone/>
             </a:pPr>
             <a:r>
-              <a:rPr lang="zh-CN" altLang="en-US" sz="5400" b="1" dirty="0">
-                <a:latin typeface="Microsoft JhengHei" panose="020B0604030504040204" pitchFamily="34" charset="-120"/>
-                <a:ea typeface="Microsoft JhengHei" panose="020B0604030504040204" pitchFamily="34" charset="-120"/>
-              </a:rPr>
-              <a:t>你願為主你君王做工麼</a:t>
-            </a:r>
-            <a:endParaRPr lang="en-US" altLang="zh-CN" sz="5400" b="1" dirty="0">
-              <a:latin typeface="Microsoft JhengHei" panose="020B0604030504040204" pitchFamily="34" charset="-120"/>
-              <a:ea typeface="Microsoft JhengHei" panose="020B0604030504040204" pitchFamily="34" charset="-120"/>
-            </a:endParaRPr>
-          </a:p>
-          <a:p>
-            <a:pPr algn="ctr">
-              <a:buNone/>
-            </a:pPr>
-            <a:r>
-              <a:rPr lang="zh-CN" altLang="en-US" sz="5400" b="1" dirty="0">
-                <a:latin typeface="Microsoft JhengHei" panose="020B0604030504040204" pitchFamily="34" charset="-120"/>
-                <a:ea typeface="Microsoft JhengHei" panose="020B0604030504040204" pitchFamily="34" charset="-120"/>
-              </a:rPr>
-              <a:t>在主寶血內  真有能力</a:t>
-            </a:r>
-            <a:endParaRPr lang="en-US" altLang="zh-CN" sz="5400" b="1" dirty="0">
-              <a:latin typeface="Microsoft JhengHei" panose="020B0604030504040204" pitchFamily="34" charset="-120"/>
-              <a:ea typeface="Microsoft JhengHei" panose="020B0604030504040204" pitchFamily="34" charset="-120"/>
-            </a:endParaRPr>
-          </a:p>
-          <a:p>
-            <a:pPr algn="ctr">
-              <a:buNone/>
-            </a:pPr>
-            <a:r>
-              <a:rPr lang="zh-CN" altLang="en-US" sz="5400" b="1" dirty="0">
-                <a:latin typeface="Microsoft JhengHei" panose="020B0604030504040204" pitchFamily="34" charset="-120"/>
-                <a:ea typeface="Microsoft JhengHei" panose="020B0604030504040204" pitchFamily="34" charset="-120"/>
-              </a:rPr>
-              <a:t>你願日日唱得勝凱歌麼</a:t>
-            </a:r>
-            <a:endParaRPr lang="en-US" altLang="zh-CN" sz="5400" b="1" dirty="0">
-              <a:latin typeface="Microsoft JhengHei" panose="020B0604030504040204" pitchFamily="34" charset="-120"/>
-              <a:ea typeface="Microsoft JhengHei" panose="020B0604030504040204" pitchFamily="34" charset="-120"/>
-            </a:endParaRPr>
-          </a:p>
-          <a:p>
-            <a:pPr algn="ctr">
-              <a:buNone/>
-            </a:pPr>
-            <a:r>
-              <a:rPr lang="zh-CN" altLang="en-US" sz="5400" b="1" dirty="0">
-                <a:latin typeface="Microsoft JhengHei" panose="020B0604030504040204" pitchFamily="34" charset="-120"/>
-                <a:ea typeface="Microsoft JhengHei" panose="020B0604030504040204" pitchFamily="34" charset="-120"/>
+              <a:rPr lang="zh-CN" altLang="en-US" sz="6400" b="1" dirty="0">
+                <a:solidFill>
+                  <a:srgbClr val="660033"/>
+                </a:solidFill>
+                <a:latin typeface="Microsoft JhengHei" pitchFamily="34" charset="-120"/>
+                <a:ea typeface="Microsoft JhengHei" pitchFamily="34" charset="-120"/>
               </a:rPr>
               <a:t>耶穌寶血內有能力</a:t>
             </a:r>
-            <a:endParaRPr lang="en-US" sz="5400" b="1" dirty="0">
-              <a:latin typeface="Microsoft JhengHei" panose="020B0604030504040204" pitchFamily="34" charset="-120"/>
-              <a:ea typeface="Microsoft JhengHei" panose="020B0604030504040204" pitchFamily="34" charset="-120"/>
+            <a:endParaRPr lang="en-US" sz="6400" b="1" dirty="0">
+              <a:solidFill>
+                <a:srgbClr val="660033"/>
+              </a:solidFill>
+              <a:latin typeface="Microsoft JhengHei" pitchFamily="34" charset="-120"/>
+              <a:ea typeface="Microsoft JhengHei" pitchFamily="34" charset="-120"/>
             </a:endParaRPr>
           </a:p>
         </p:txBody>
       </p:sp>
       <p:sp>
         <p:nvSpPr>
-          <p:cNvPr id="6" name="TextBox 5"/>
+          <p:cNvPr id="3" name="TextBox 2"/>
           <p:cNvSpPr txBox="1"/>
           <p:nvPr/>
         </p:nvSpPr>
         <p:spPr>
           <a:xfrm>
-            <a:off x="1143000" y="1600202"/>
-            <a:ext cx="990600" cy="1015663"/>
+            <a:off x="0" y="5061182"/>
+            <a:ext cx="12192000" cy="830997"/>
           </a:xfrm>
           <a:prstGeom prst="rect">
             <a:avLst/>
@@ -4226,23 +5057,40 @@
           </a:bodyPr>
           <a:lstStyle/>
           <a:p>
-            <a:r>
-              <a:rPr lang="en-US" sz="6000" b="1" dirty="0"/>
-              <a:t>4</a:t>
-            </a:r>
-            <a:r>
-              <a:rPr lang="en-US" sz="6000" b="1" dirty="0" smtClean="0"/>
-              <a:t>.</a:t>
-            </a:r>
-            <a:endParaRPr lang="vi-VN" sz="6000" b="1" dirty="0"/>
+            <a:pPr algn="ctr"/>
+            <a:r>
+              <a:rPr lang="en-US" sz="4800" b="1" dirty="0">
+                <a:solidFill>
+                  <a:srgbClr val="660033"/>
+                </a:solidFill>
+              </a:rPr>
+              <a:t>( 2 / 4 )</a:t>
+            </a:r>
+            <a:endParaRPr lang="vi-VN" sz="4800" b="1" dirty="0">
+              <a:solidFill>
+                <a:srgbClr val="660033"/>
+              </a:solidFill>
+            </a:endParaRPr>
           </a:p>
         </p:txBody>
       </p:sp>
     </p:spTree>
+    <p:extLst>
+      <p:ext uri="{BB962C8B-B14F-4D97-AF65-F5344CB8AC3E}">
+        <p14:creationId xmlns:p14="http://schemas.microsoft.com/office/powerpoint/2010/main" val="4144809431"/>
+      </p:ext>
+    </p:extLst>
   </p:cSld>
   <p:clrMapOvr>
     <a:masterClrMapping/>
   </p:clrMapOvr>
+  <p:timing>
+    <p:tnLst>
+      <p:par>
+        <p:cTn id="1" dur="indefinite" restart="never" nodeType="tmRoot"/>
+      </p:par>
+    </p:tnLst>
+  </p:timing>
 </p:sld>
 </file>
 
@@ -4265,65 +5113,45 @@
       </p:grpSpPr>
       <p:sp>
         <p:nvSpPr>
-          <p:cNvPr id="4" name="Title 3"/>
-          <p:cNvSpPr>
-            <a:spLocks noGrp="1"/>
-          </p:cNvSpPr>
-          <p:nvPr>
-            <p:ph type="title"/>
-          </p:nvPr>
-        </p:nvSpPr>
-        <p:spPr/>
-        <p:txBody>
-          <a:bodyPr>
+          <p:cNvPr id="5" name="內容版面配置區 4"/>
+          <p:cNvSpPr>
+            <a:spLocks noGrp="1"/>
+          </p:cNvSpPr>
+          <p:nvPr>
+            <p:ph idx="1"/>
+          </p:nvPr>
+        </p:nvSpPr>
+        <p:spPr>
+          <a:xfrm>
+            <a:off x="0" y="2084851"/>
+            <a:ext cx="12192000" cy="2404863"/>
+          </a:xfrm>
+        </p:spPr>
+        <p:txBody>
+          <a:bodyPr anchor="ctr">
             <a:normAutofit/>
           </a:bodyPr>
           <a:lstStyle/>
           <a:p>
-            <a:r>
-              <a:rPr lang="zh-CN" altLang="en-US" sz="4800" b="1" dirty="0">
-                <a:latin typeface="Microsoft JhengHei" panose="020B0604030504040204" pitchFamily="34" charset="-120"/>
-                <a:ea typeface="Microsoft JhengHei" panose="020B0604030504040204" pitchFamily="34" charset="-120"/>
-              </a:rPr>
-              <a:t>寶血能力</a:t>
-            </a:r>
-            <a:endParaRPr lang="en-US" sz="4800" b="1" dirty="0">
-              <a:latin typeface="Microsoft JhengHei" panose="020B0604030504040204" pitchFamily="34" charset="-120"/>
-              <a:ea typeface="Microsoft JhengHei" panose="020B0604030504040204" pitchFamily="34" charset="-120"/>
-            </a:endParaRPr>
-          </a:p>
-        </p:txBody>
-      </p:sp>
-      <p:sp>
-        <p:nvSpPr>
-          <p:cNvPr id="5" name="Content Placeholder 4"/>
-          <p:cNvSpPr>
-            <a:spLocks noGrp="1"/>
-          </p:cNvSpPr>
-          <p:nvPr>
-            <p:ph idx="1"/>
-          </p:nvPr>
-        </p:nvSpPr>
-        <p:spPr/>
-        <p:txBody>
-          <a:bodyPr>
-            <a:normAutofit/>
-          </a:bodyPr>
-          <a:lstStyle/>
-          <a:p>
             <a:pPr algn="ctr">
               <a:buNone/>
             </a:pPr>
             <a:r>
-              <a:rPr lang="zh-CN" altLang="en-US" sz="5400" b="1" dirty="0">
-                <a:latin typeface="Microsoft JhengHei" panose="020B0604030504040204" pitchFamily="34" charset="-120"/>
-                <a:ea typeface="Microsoft JhengHei" panose="020B0604030504040204" pitchFamily="34" charset="-120"/>
+              <a:rPr lang="zh-CN" altLang="en-US" sz="6400" b="1" dirty="0">
+                <a:solidFill>
+                  <a:srgbClr val="660033"/>
+                </a:solidFill>
+                <a:latin typeface="Microsoft JhengHei" pitchFamily="34" charset="-120"/>
+                <a:ea typeface="Microsoft JhengHei" pitchFamily="34" charset="-120"/>
               </a:rPr>
               <a:t>真有能  能  奇哉大權能</a:t>
             </a:r>
-            <a:endParaRPr lang="en-US" altLang="zh-CN" sz="5400" b="1" dirty="0">
-              <a:latin typeface="Microsoft JhengHei" panose="020B0604030504040204" pitchFamily="34" charset="-120"/>
-              <a:ea typeface="Microsoft JhengHei" panose="020B0604030504040204" pitchFamily="34" charset="-120"/>
+            <a:endParaRPr lang="en-US" altLang="zh-CN" sz="6400" b="1" dirty="0">
+              <a:solidFill>
+                <a:srgbClr val="660033"/>
+              </a:solidFill>
+              <a:latin typeface="Microsoft JhengHei" pitchFamily="34" charset="-120"/>
+              <a:ea typeface="Microsoft JhengHei" pitchFamily="34" charset="-120"/>
             </a:endParaRPr>
           </a:p>
           <a:p>
@@ -4331,47 +5159,21 @@
               <a:buNone/>
             </a:pPr>
             <a:r>
-              <a:rPr lang="zh-CN" altLang="en-US" sz="5400" b="1" dirty="0">
-                <a:latin typeface="Microsoft JhengHei" panose="020B0604030504040204" pitchFamily="34" charset="-120"/>
-                <a:ea typeface="Microsoft JhengHei" panose="020B0604030504040204" pitchFamily="34" charset="-120"/>
+              <a:rPr lang="zh-CN" altLang="en-US" sz="6400" b="1" dirty="0">
+                <a:solidFill>
+                  <a:srgbClr val="660033"/>
+                </a:solidFill>
+                <a:latin typeface="Microsoft JhengHei" pitchFamily="34" charset="-120"/>
+                <a:ea typeface="Microsoft JhengHei" pitchFamily="34" charset="-120"/>
               </a:rPr>
               <a:t>在羔羊  寶血內</a:t>
             </a:r>
-            <a:endParaRPr lang="en-US" altLang="zh-CN" sz="5400" b="1" dirty="0">
-              <a:latin typeface="Microsoft JhengHei" panose="020B0604030504040204" pitchFamily="34" charset="-120"/>
-              <a:ea typeface="Microsoft JhengHei" panose="020B0604030504040204" pitchFamily="34" charset="-120"/>
-            </a:endParaRPr>
-          </a:p>
-          <a:p>
-            <a:pPr algn="ctr">
-              <a:buNone/>
-            </a:pPr>
-            <a:r>
-              <a:rPr lang="zh-CN" altLang="en-US" sz="5400" b="1" dirty="0">
-                <a:latin typeface="Microsoft JhengHei" panose="020B0604030504040204" pitchFamily="34" charset="-120"/>
-                <a:ea typeface="Microsoft JhengHei" panose="020B0604030504040204" pitchFamily="34" charset="-120"/>
-              </a:rPr>
-              <a:t>真有能  能  奇哉大權能</a:t>
-            </a:r>
-            <a:endParaRPr lang="en-US" altLang="zh-CN" sz="5400" b="1" dirty="0">
-              <a:latin typeface="Microsoft JhengHei" panose="020B0604030504040204" pitchFamily="34" charset="-120"/>
-              <a:ea typeface="Microsoft JhengHei" panose="020B0604030504040204" pitchFamily="34" charset="-120"/>
-            </a:endParaRPr>
-          </a:p>
-          <a:p>
-            <a:pPr algn="ctr">
-              <a:buNone/>
-            </a:pPr>
-            <a:r>
-              <a:rPr lang="zh-CN" altLang="en-US" sz="5400" b="1" dirty="0">
-                <a:latin typeface="Microsoft JhengHei" panose="020B0604030504040204" pitchFamily="34" charset="-120"/>
-                <a:ea typeface="Microsoft JhengHei" panose="020B0604030504040204" pitchFamily="34" charset="-120"/>
-              </a:rPr>
-              <a:t>顯明在羔羊寶血內</a:t>
-            </a:r>
-            <a:endParaRPr lang="en-US" sz="5400" b="1" dirty="0">
-              <a:latin typeface="Microsoft JhengHei" panose="020B0604030504040204" pitchFamily="34" charset="-120"/>
-              <a:ea typeface="Microsoft JhengHei" panose="020B0604030504040204" pitchFamily="34" charset="-120"/>
+            <a:endParaRPr lang="en-US" altLang="zh-CN" sz="6400" b="1" dirty="0">
+              <a:solidFill>
+                <a:srgbClr val="660033"/>
+              </a:solidFill>
+              <a:latin typeface="Microsoft JhengHei" pitchFamily="34" charset="-120"/>
+              <a:ea typeface="Microsoft JhengHei" pitchFamily="34" charset="-120"/>
             </a:endParaRPr>
           </a:p>
         </p:txBody>
@@ -4379,13 +5181,124 @@
     </p:spTree>
     <p:extLst>
       <p:ext uri="{BB962C8B-B14F-4D97-AF65-F5344CB8AC3E}">
-        <p14:creationId xmlns:p14="http://schemas.microsoft.com/office/powerpoint/2010/main" val="3362149483"/>
+        <p14:creationId xmlns:p14="http://schemas.microsoft.com/office/powerpoint/2010/main" val="2398694076"/>
       </p:ext>
     </p:extLst>
   </p:cSld>
   <p:clrMapOvr>
     <a:masterClrMapping/>
   </p:clrMapOvr>
+  <p:timing>
+    <p:tnLst>
+      <p:par>
+        <p:cTn id="1" dur="indefinite" restart="never" nodeType="tmRoot"/>
+      </p:par>
+    </p:tnLst>
+  </p:timing>
+</p:sld>
+</file>
+
+<file path=ppt/slides/slide9.xml><?xml version="1.0" encoding="utf-8"?>
+<p:sld xmlns:a="http://schemas.openxmlformats.org/drawingml/2006/main" xmlns:r="http://schemas.openxmlformats.org/officeDocument/2006/relationships" xmlns:p="http://schemas.openxmlformats.org/presentationml/2006/main">
+  <p:cSld>
+    <p:spTree>
+      <p:nvGrpSpPr>
+        <p:cNvPr id="1" name=""/>
+        <p:cNvGrpSpPr/>
+        <p:nvPr/>
+      </p:nvGrpSpPr>
+      <p:grpSpPr>
+        <a:xfrm>
+          <a:off x="0" y="0"/>
+          <a:ext cx="0" cy="0"/>
+          <a:chOff x="0" y="0"/>
+          <a:chExt cx="0" cy="0"/>
+        </a:xfrm>
+      </p:grpSpPr>
+      <p:sp>
+        <p:nvSpPr>
+          <p:cNvPr id="5" name="內容版面配置區 4"/>
+          <p:cNvSpPr>
+            <a:spLocks noGrp="1"/>
+          </p:cNvSpPr>
+          <p:nvPr>
+            <p:ph idx="1"/>
+          </p:nvPr>
+        </p:nvSpPr>
+        <p:spPr>
+          <a:xfrm>
+            <a:off x="0" y="2084851"/>
+            <a:ext cx="12192000" cy="2404863"/>
+          </a:xfrm>
+        </p:spPr>
+        <p:txBody>
+          <a:bodyPr anchor="ctr">
+            <a:normAutofit/>
+          </a:bodyPr>
+          <a:lstStyle/>
+          <a:p>
+            <a:pPr algn="ctr">
+              <a:buNone/>
+            </a:pPr>
+            <a:r>
+              <a:rPr lang="zh-CN" altLang="en-US" sz="6400" b="1" dirty="0">
+                <a:solidFill>
+                  <a:srgbClr val="660033"/>
+                </a:solidFill>
+                <a:latin typeface="Microsoft JhengHei" pitchFamily="34" charset="-120"/>
+                <a:ea typeface="Microsoft JhengHei" pitchFamily="34" charset="-120"/>
+              </a:rPr>
+              <a:t>真有能  能  奇哉大權能</a:t>
+            </a:r>
+            <a:endParaRPr lang="en-US" altLang="zh-CN" sz="6400" b="1" dirty="0">
+              <a:solidFill>
+                <a:srgbClr val="660033"/>
+              </a:solidFill>
+              <a:latin typeface="Microsoft JhengHei" pitchFamily="34" charset="-120"/>
+              <a:ea typeface="Microsoft JhengHei" pitchFamily="34" charset="-120"/>
+            </a:endParaRPr>
+          </a:p>
+          <a:p>
+            <a:pPr algn="ctr">
+              <a:buNone/>
+            </a:pPr>
+            <a:r>
+              <a:rPr lang="zh-CN" altLang="en-US" sz="6400" b="1" dirty="0">
+                <a:solidFill>
+                  <a:srgbClr val="660033"/>
+                </a:solidFill>
+                <a:latin typeface="Microsoft JhengHei" pitchFamily="34" charset="-120"/>
+                <a:ea typeface="Microsoft JhengHei" pitchFamily="34" charset="-120"/>
+              </a:rPr>
+              <a:t>顯明在羔羊寶血內</a:t>
+            </a:r>
+            <a:endParaRPr lang="en-US" sz="6400" b="1" dirty="0">
+              <a:solidFill>
+                <a:srgbClr val="660033"/>
+              </a:solidFill>
+              <a:latin typeface="Microsoft JhengHei" pitchFamily="34" charset="-120"/>
+              <a:ea typeface="Microsoft JhengHei" pitchFamily="34" charset="-120"/>
+            </a:endParaRPr>
+          </a:p>
+        </p:txBody>
+      </p:sp>
+    </p:spTree>
+    <p:extLst>
+      <p:ext uri="{BB962C8B-B14F-4D97-AF65-F5344CB8AC3E}">
+        <p14:creationId xmlns:p14="http://schemas.microsoft.com/office/powerpoint/2010/main" val="2355157832"/>
+      </p:ext>
+    </p:extLst>
+  </p:cSld>
+  <p:clrMapOvr>
+    <a:masterClrMapping/>
+  </p:clrMapOvr>
+  <p:timing>
+    <p:tnLst>
+      <p:par>
+        <p:cTn id="1" dur="indefinite" restart="never" nodeType="tmRoot"/>
+      </p:par>
+    </p:tnLst>
+  </p:timing>
 </p:sld>
 </file>
 
